--- a/Presentation/Abracadata - Final PPT.pptx
+++ b/Presentation/Abracadata - Final PPT.pptx
@@ -2,7 +2,7 @@
 <file path=ppt/presentation.xml><?xml version="1.0" encoding="utf-8"?>
 <p:presentation xmlns:a="http://schemas.openxmlformats.org/drawingml/2006/main" xmlns:r="http://schemas.openxmlformats.org/officeDocument/2006/relationships" xmlns:mc="http://schemas.openxmlformats.org/markup-compatibility/2006" xmlns:mv="urn:schemas-microsoft-com:mac:vml" xmlns:p="http://schemas.openxmlformats.org/presentationml/2006/main" xmlns:c="http://schemas.openxmlformats.org/drawingml/2006/chart" xmlns:dgm="http://schemas.openxmlformats.org/drawingml/2006/diagram" xmlns:o="urn:schemas-microsoft-com:office:office" xmlns:v="urn:schemas-microsoft-com:vml" xmlns:pvml="urn:schemas-microsoft-com:office:powerpoint" xmlns:com="http://schemas.openxmlformats.org/drawingml/2006/compatibility" xmlns:p14="http://schemas.microsoft.com/office/powerpoint/2010/main" xmlns:p15="http://schemas.microsoft.com/office/powerpoint/2012/main" autoCompressPictures="0" embedTrueTypeFonts="1" strictFirstAndLastChars="0" saveSubsetFonts="1">
   <p:sldMasterIdLst>
-    <p:sldMasterId id="2147483653" r:id="rId4"/>
+    <p:sldMasterId id="2147483648" r:id="rId4"/>
   </p:sldMasterIdLst>
   <p:notesMasterIdLst>
     <p:notesMasterId r:id="rId5"/>
@@ -275,6 +275,9 @@
           </p15:clr>
         </p15:guide>
       </p15:sldGuideLst>
+    </p:ext>
+    <p:ext uri="http://customooxmlschemas.google.com/">
+      <go:slidesCustomData xmlns:go="http://customooxmlschemas.google.com/" r:id="rId22" roundtripDataSignature="AMtx7mgI/qQDaOHxOPgmJNwwkRmef61iiQ=="/>
     </p:ext>
   </p:extLst>
 </p:presentation>
@@ -1830,7 +1833,7 @@
   <p:cSld>
     <p:spTree>
       <p:nvGrpSpPr>
-        <p:cNvPr id="138" name="Shape 138"/>
+        <p:cNvPr id="139" name="Shape 139"/>
         <p:cNvGrpSpPr/>
         <p:nvPr/>
       </p:nvGrpSpPr>
@@ -1844,7 +1847,7 @@
       </p:grpSpPr>
       <p:sp>
         <p:nvSpPr>
-          <p:cNvPr id="139" name="Google Shape;139;p10:notes"/>
+          <p:cNvPr id="140" name="Google Shape;140;p10:notes"/>
           <p:cNvSpPr txBox="1"/>
           <p:nvPr>
             <p:ph idx="1" type="body"/>
@@ -1905,7 +1908,7 @@
       </p:sp>
       <p:sp>
         <p:nvSpPr>
-          <p:cNvPr id="140" name="Google Shape;140;p10:notes"/>
+          <p:cNvPr id="141" name="Google Shape;141;p10:notes"/>
           <p:cNvSpPr/>
           <p:nvPr>
             <p:ph idx="2" type="sldImg"/>
@@ -1961,7 +1964,7 @@
   <p:cSld>
     <p:spTree>
       <p:nvGrpSpPr>
-        <p:cNvPr id="145" name="Shape 145"/>
+        <p:cNvPr id="146" name="Shape 146"/>
         <p:cNvGrpSpPr/>
         <p:nvPr/>
       </p:nvGrpSpPr>
@@ -1975,7 +1978,7 @@
       </p:grpSpPr>
       <p:sp>
         <p:nvSpPr>
-          <p:cNvPr id="146" name="Google Shape;146;p11:notes"/>
+          <p:cNvPr id="147" name="Google Shape;147;p11:notes"/>
           <p:cNvSpPr txBox="1"/>
           <p:nvPr>
             <p:ph idx="1" type="body"/>
@@ -2022,7 +2025,7 @@
       </p:sp>
       <p:sp>
         <p:nvSpPr>
-          <p:cNvPr id="147" name="Google Shape;147;p11:notes"/>
+          <p:cNvPr id="148" name="Google Shape;148;p11:notes"/>
           <p:cNvSpPr/>
           <p:nvPr>
             <p:ph idx="2" type="sldImg"/>
@@ -2078,7 +2081,7 @@
   <p:cSld>
     <p:spTree>
       <p:nvGrpSpPr>
-        <p:cNvPr id="152" name="Shape 152"/>
+        <p:cNvPr id="153" name="Shape 153"/>
         <p:cNvGrpSpPr/>
         <p:nvPr/>
       </p:nvGrpSpPr>
@@ -2092,7 +2095,7 @@
       </p:grpSpPr>
       <p:sp>
         <p:nvSpPr>
-          <p:cNvPr id="153" name="Google Shape;153;p12:notes"/>
+          <p:cNvPr id="154" name="Google Shape;154;p12:notes"/>
           <p:cNvSpPr txBox="1"/>
           <p:nvPr>
             <p:ph idx="1" type="body"/>
@@ -2165,7 +2168,7 @@
       </p:sp>
       <p:sp>
         <p:nvSpPr>
-          <p:cNvPr id="154" name="Google Shape;154;p12:notes"/>
+          <p:cNvPr id="155" name="Google Shape;155;p12:notes"/>
           <p:cNvSpPr/>
           <p:nvPr>
             <p:ph idx="2" type="sldImg"/>
@@ -2221,7 +2224,7 @@
   <p:cSld>
     <p:spTree>
       <p:nvGrpSpPr>
-        <p:cNvPr id="159" name="Shape 159"/>
+        <p:cNvPr id="160" name="Shape 160"/>
         <p:cNvGrpSpPr/>
         <p:nvPr/>
       </p:nvGrpSpPr>
@@ -2235,7 +2238,7 @@
       </p:grpSpPr>
       <p:sp>
         <p:nvSpPr>
-          <p:cNvPr id="160" name="Google Shape;160;p13:notes"/>
+          <p:cNvPr id="161" name="Google Shape;161;p13:notes"/>
           <p:cNvSpPr txBox="1"/>
           <p:nvPr>
             <p:ph idx="1" type="body"/>
@@ -2282,7 +2285,7 @@
       </p:sp>
       <p:sp>
         <p:nvSpPr>
-          <p:cNvPr id="161" name="Google Shape;161;p13:notes"/>
+          <p:cNvPr id="162" name="Google Shape;162;p13:notes"/>
           <p:cNvSpPr/>
           <p:nvPr>
             <p:ph idx="2" type="sldImg"/>
@@ -2338,7 +2341,7 @@
   <p:cSld>
     <p:spTree>
       <p:nvGrpSpPr>
-        <p:cNvPr id="167" name="Shape 167"/>
+        <p:cNvPr id="168" name="Shape 168"/>
         <p:cNvGrpSpPr/>
         <p:nvPr/>
       </p:nvGrpSpPr>
@@ -2352,7 +2355,7 @@
       </p:grpSpPr>
       <p:sp>
         <p:nvSpPr>
-          <p:cNvPr id="168" name="Google Shape;168;g75def4237c_0_5:notes"/>
+          <p:cNvPr id="169" name="Google Shape;169;p14:notes"/>
           <p:cNvSpPr txBox="1"/>
           <p:nvPr>
             <p:ph idx="1" type="body"/>
@@ -2399,7 +2402,7 @@
       </p:sp>
       <p:sp>
         <p:nvSpPr>
-          <p:cNvPr id="169" name="Google Shape;169;g75def4237c_0_5:notes"/>
+          <p:cNvPr id="170" name="Google Shape;170;p14:notes"/>
           <p:cNvSpPr/>
           <p:nvPr>
             <p:ph idx="2" type="sldImg"/>
@@ -2747,7 +2750,7 @@
   <p:cSld>
     <p:spTree>
       <p:nvGrpSpPr>
-        <p:cNvPr id="86" name="Shape 86"/>
+        <p:cNvPr id="87" name="Shape 87"/>
         <p:cNvGrpSpPr/>
         <p:nvPr/>
       </p:nvGrpSpPr>
@@ -2761,7 +2764,7 @@
       </p:grpSpPr>
       <p:sp>
         <p:nvSpPr>
-          <p:cNvPr id="87" name="Google Shape;87;p4:notes"/>
+          <p:cNvPr id="88" name="Google Shape;88;p4:notes"/>
           <p:cNvSpPr txBox="1"/>
           <p:nvPr>
             <p:ph idx="1" type="body"/>
@@ -2808,7 +2811,7 @@
       </p:sp>
       <p:sp>
         <p:nvSpPr>
-          <p:cNvPr id="88" name="Google Shape;88;p4:notes"/>
+          <p:cNvPr id="89" name="Google Shape;89;p4:notes"/>
           <p:cNvSpPr/>
           <p:nvPr>
             <p:ph idx="2" type="sldImg"/>
@@ -2864,7 +2867,7 @@
   <p:cSld>
     <p:spTree>
       <p:nvGrpSpPr>
-        <p:cNvPr id="92" name="Shape 92"/>
+        <p:cNvPr id="93" name="Shape 93"/>
         <p:cNvGrpSpPr/>
         <p:nvPr/>
       </p:nvGrpSpPr>
@@ -2878,7 +2881,7 @@
       </p:grpSpPr>
       <p:sp>
         <p:nvSpPr>
-          <p:cNvPr id="93" name="Google Shape;93;p5:notes"/>
+          <p:cNvPr id="94" name="Google Shape;94;p5:notes"/>
           <p:cNvSpPr txBox="1"/>
           <p:nvPr>
             <p:ph idx="1" type="body"/>
@@ -2925,7 +2928,7 @@
       </p:sp>
       <p:sp>
         <p:nvSpPr>
-          <p:cNvPr id="94" name="Google Shape;94;p5:notes"/>
+          <p:cNvPr id="95" name="Google Shape;95;p5:notes"/>
           <p:cNvSpPr/>
           <p:nvPr>
             <p:ph idx="2" type="sldImg"/>
@@ -2981,7 +2984,7 @@
   <p:cSld>
     <p:spTree>
       <p:nvGrpSpPr>
-        <p:cNvPr id="104" name="Shape 104"/>
+        <p:cNvPr id="105" name="Shape 105"/>
         <p:cNvGrpSpPr/>
         <p:nvPr/>
       </p:nvGrpSpPr>
@@ -2995,7 +2998,7 @@
       </p:grpSpPr>
       <p:sp>
         <p:nvSpPr>
-          <p:cNvPr id="105" name="Google Shape;105;p6:notes"/>
+          <p:cNvPr id="106" name="Google Shape;106;p6:notes"/>
           <p:cNvSpPr/>
           <p:nvPr>
             <p:ph idx="2" type="sldImg"/>
@@ -3040,7 +3043,7 @@
       </p:sp>
       <p:sp>
         <p:nvSpPr>
-          <p:cNvPr id="106" name="Google Shape;106;p6:notes"/>
+          <p:cNvPr id="107" name="Google Shape;107;p6:notes"/>
           <p:cNvSpPr txBox="1"/>
           <p:nvPr>
             <p:ph idx="1" type="body"/>
@@ -3101,7 +3104,7 @@
       </p:sp>
       <p:sp>
         <p:nvSpPr>
-          <p:cNvPr id="107" name="Google Shape;107;p6:notes"/>
+          <p:cNvPr id="108" name="Google Shape;108;p6:notes"/>
           <p:cNvSpPr txBox="1"/>
           <p:nvPr>
             <p:ph idx="12" type="sldNum"/>
@@ -3160,7 +3163,7 @@
   <p:cSld>
     <p:spTree>
       <p:nvGrpSpPr>
-        <p:cNvPr id="113" name="Shape 113"/>
+        <p:cNvPr id="114" name="Shape 114"/>
         <p:cNvGrpSpPr/>
         <p:nvPr/>
       </p:nvGrpSpPr>
@@ -3174,7 +3177,7 @@
       </p:grpSpPr>
       <p:sp>
         <p:nvSpPr>
-          <p:cNvPr id="114" name="Google Shape;114;p7:notes"/>
+          <p:cNvPr id="115" name="Google Shape;115;p7:notes"/>
           <p:cNvSpPr/>
           <p:nvPr>
             <p:ph idx="2" type="sldImg"/>
@@ -3219,7 +3222,7 @@
       </p:sp>
       <p:sp>
         <p:nvSpPr>
-          <p:cNvPr id="115" name="Google Shape;115;p7:notes"/>
+          <p:cNvPr id="116" name="Google Shape;116;p7:notes"/>
           <p:cNvSpPr txBox="1"/>
           <p:nvPr>
             <p:ph idx="1" type="body"/>
@@ -3280,7 +3283,7 @@
       </p:sp>
       <p:sp>
         <p:nvSpPr>
-          <p:cNvPr id="116" name="Google Shape;116;p7:notes"/>
+          <p:cNvPr id="117" name="Google Shape;117;p7:notes"/>
           <p:cNvSpPr txBox="1"/>
           <p:nvPr>
             <p:ph idx="12" type="sldNum"/>
@@ -3339,7 +3342,7 @@
   <p:cSld>
     <p:spTree>
       <p:nvGrpSpPr>
-        <p:cNvPr id="122" name="Shape 122"/>
+        <p:cNvPr id="123" name="Shape 123"/>
         <p:cNvGrpSpPr/>
         <p:nvPr/>
       </p:nvGrpSpPr>
@@ -3353,7 +3356,7 @@
       </p:grpSpPr>
       <p:sp>
         <p:nvSpPr>
-          <p:cNvPr id="123" name="Google Shape;123;p8:notes"/>
+          <p:cNvPr id="124" name="Google Shape;124;p8:notes"/>
           <p:cNvSpPr txBox="1"/>
           <p:nvPr>
             <p:ph idx="1" type="body"/>
@@ -3559,7 +3562,7 @@
       </p:sp>
       <p:sp>
         <p:nvSpPr>
-          <p:cNvPr id="124" name="Google Shape;124;p8:notes"/>
+          <p:cNvPr id="125" name="Google Shape;125;p8:notes"/>
           <p:cNvSpPr/>
           <p:nvPr>
             <p:ph idx="2" type="sldImg"/>
@@ -3615,7 +3618,7 @@
   <p:cSld>
     <p:spTree>
       <p:nvGrpSpPr>
-        <p:cNvPr id="130" name="Shape 130"/>
+        <p:cNvPr id="131" name="Shape 131"/>
         <p:cNvGrpSpPr/>
         <p:nvPr/>
       </p:nvGrpSpPr>
@@ -3629,7 +3632,7 @@
       </p:grpSpPr>
       <p:sp>
         <p:nvSpPr>
-          <p:cNvPr id="131" name="Google Shape;131;p9:notes"/>
+          <p:cNvPr id="132" name="Google Shape;132;p9:notes"/>
           <p:cNvSpPr txBox="1"/>
           <p:nvPr>
             <p:ph idx="1" type="body"/>
@@ -3676,7 +3679,7 @@
       </p:sp>
       <p:sp>
         <p:nvSpPr>
-          <p:cNvPr id="132" name="Google Shape;132;p9:notes"/>
+          <p:cNvPr id="133" name="Google Shape;133;p9:notes"/>
           <p:cNvSpPr/>
           <p:nvPr>
             <p:ph idx="2" type="sldImg"/>
@@ -3753,7 +3756,7 @@
       </p:grpSpPr>
       <p:sp>
         <p:nvSpPr>
-          <p:cNvPr id="16" name="Google Shape;16;p2"/>
+          <p:cNvPr id="16" name="Google Shape;16;p16"/>
           <p:cNvSpPr/>
           <p:nvPr/>
         </p:nvSpPr>
@@ -3832,7 +3835,7 @@
       </p:sp>
       <p:sp>
         <p:nvSpPr>
-          <p:cNvPr id="17" name="Google Shape;17;p2"/>
+          <p:cNvPr id="17" name="Google Shape;17;p16"/>
           <p:cNvSpPr txBox="1"/>
           <p:nvPr>
             <p:ph type="title"/>
@@ -3996,7 +3999,7 @@
       </p:sp>
       <p:sp>
         <p:nvSpPr>
-          <p:cNvPr id="18" name="Google Shape;18;p2"/>
+          <p:cNvPr id="18" name="Google Shape;18;p16"/>
           <p:cNvSpPr txBox="1"/>
           <p:nvPr>
             <p:ph idx="1" type="body"/>
@@ -4160,7 +4163,7 @@
       </p:sp>
       <p:sp>
         <p:nvSpPr>
-          <p:cNvPr id="19" name="Google Shape;19;p2"/>
+          <p:cNvPr id="19" name="Google Shape;19;p16"/>
           <p:cNvSpPr txBox="1"/>
           <p:nvPr>
             <p:ph idx="11" type="ftr"/>
@@ -4320,7 +4323,7 @@
       </p:sp>
       <p:sp>
         <p:nvSpPr>
-          <p:cNvPr id="20" name="Google Shape;20;p2"/>
+          <p:cNvPr id="20" name="Google Shape;20;p16"/>
           <p:cNvSpPr txBox="1"/>
           <p:nvPr>
             <p:ph idx="10" type="dt"/>
@@ -4480,7 +4483,7 @@
       </p:sp>
       <p:sp>
         <p:nvSpPr>
-          <p:cNvPr id="21" name="Google Shape;21;p2"/>
+          <p:cNvPr id="21" name="Google Shape;21;p16"/>
           <p:cNvSpPr txBox="1"/>
           <p:nvPr>
             <p:ph idx="12" type="sldNum"/>
@@ -4791,7 +4794,7 @@
       </p:grpSpPr>
       <p:sp>
         <p:nvSpPr>
-          <p:cNvPr id="23" name="Google Shape;23;p3"/>
+          <p:cNvPr id="23" name="Google Shape;23;p17"/>
           <p:cNvSpPr/>
           <p:nvPr/>
         </p:nvSpPr>
@@ -4870,7 +4873,7 @@
       </p:sp>
       <p:sp>
         <p:nvSpPr>
-          <p:cNvPr id="24" name="Google Shape;24;p3"/>
+          <p:cNvPr id="24" name="Google Shape;24;p17"/>
           <p:cNvSpPr/>
           <p:nvPr/>
         </p:nvSpPr>
@@ -4949,7 +4952,7 @@
       </p:sp>
       <p:sp>
         <p:nvSpPr>
-          <p:cNvPr id="25" name="Google Shape;25;p3"/>
+          <p:cNvPr id="25" name="Google Shape;25;p17"/>
           <p:cNvSpPr/>
           <p:nvPr/>
         </p:nvSpPr>
@@ -5028,7 +5031,7 @@
       </p:sp>
       <p:sp>
         <p:nvSpPr>
-          <p:cNvPr id="26" name="Google Shape;26;p3"/>
+          <p:cNvPr id="26" name="Google Shape;26;p17"/>
           <p:cNvSpPr txBox="1"/>
           <p:nvPr>
             <p:ph type="title"/>
@@ -5192,7 +5195,7 @@
       </p:sp>
       <p:sp>
         <p:nvSpPr>
-          <p:cNvPr id="27" name="Google Shape;27;p3"/>
+          <p:cNvPr id="27" name="Google Shape;27;p17"/>
           <p:cNvSpPr txBox="1"/>
           <p:nvPr>
             <p:ph idx="11" type="ftr"/>
@@ -5352,7 +5355,7 @@
       </p:sp>
       <p:sp>
         <p:nvSpPr>
-          <p:cNvPr id="28" name="Google Shape;28;p3"/>
+          <p:cNvPr id="28" name="Google Shape;28;p17"/>
           <p:cNvSpPr txBox="1"/>
           <p:nvPr>
             <p:ph idx="10" type="dt"/>
@@ -5512,7 +5515,7 @@
       </p:sp>
       <p:sp>
         <p:nvSpPr>
-          <p:cNvPr id="29" name="Google Shape;29;p3"/>
+          <p:cNvPr id="29" name="Google Shape;29;p17"/>
           <p:cNvSpPr txBox="1"/>
           <p:nvPr>
             <p:ph idx="12" type="sldNum"/>
@@ -5823,7 +5826,7 @@
       </p:grpSpPr>
       <p:sp>
         <p:nvSpPr>
-          <p:cNvPr id="31" name="Google Shape;31;p4"/>
+          <p:cNvPr id="31" name="Google Shape;31;p18"/>
           <p:cNvSpPr/>
           <p:nvPr/>
         </p:nvSpPr>
@@ -5902,7 +5905,7 @@
       </p:sp>
       <p:sp>
         <p:nvSpPr>
-          <p:cNvPr id="32" name="Google Shape;32;p4"/>
+          <p:cNvPr id="32" name="Google Shape;32;p18"/>
           <p:cNvSpPr txBox="1"/>
           <p:nvPr>
             <p:ph idx="11" type="ftr"/>
@@ -6062,7 +6065,7 @@
       </p:sp>
       <p:sp>
         <p:nvSpPr>
-          <p:cNvPr id="33" name="Google Shape;33;p4"/>
+          <p:cNvPr id="33" name="Google Shape;33;p18"/>
           <p:cNvSpPr txBox="1"/>
           <p:nvPr>
             <p:ph idx="10" type="dt"/>
@@ -6222,7 +6225,7 @@
       </p:sp>
       <p:sp>
         <p:nvSpPr>
-          <p:cNvPr id="34" name="Google Shape;34;p4"/>
+          <p:cNvPr id="34" name="Google Shape;34;p18"/>
           <p:cNvSpPr txBox="1"/>
           <p:nvPr>
             <p:ph idx="12" type="sldNum"/>
@@ -6533,7 +6536,7 @@
       </p:grpSpPr>
       <p:sp>
         <p:nvSpPr>
-          <p:cNvPr id="36" name="Google Shape;36;p5"/>
+          <p:cNvPr id="36" name="Google Shape;36;p19"/>
           <p:cNvSpPr/>
           <p:nvPr/>
         </p:nvSpPr>
@@ -6612,7 +6615,7 @@
       </p:sp>
       <p:sp>
         <p:nvSpPr>
-          <p:cNvPr id="37" name="Google Shape;37;p5"/>
+          <p:cNvPr id="37" name="Google Shape;37;p19"/>
           <p:cNvSpPr/>
           <p:nvPr/>
         </p:nvSpPr>
@@ -6691,7 +6694,7 @@
       </p:sp>
       <p:sp>
         <p:nvSpPr>
-          <p:cNvPr id="38" name="Google Shape;38;p5"/>
+          <p:cNvPr id="38" name="Google Shape;38;p19"/>
           <p:cNvSpPr/>
           <p:nvPr/>
         </p:nvSpPr>
@@ -6770,7 +6773,7 @@
       </p:sp>
       <p:sp>
         <p:nvSpPr>
-          <p:cNvPr id="39" name="Google Shape;39;p5"/>
+          <p:cNvPr id="39" name="Google Shape;39;p19"/>
           <p:cNvSpPr/>
           <p:nvPr/>
         </p:nvSpPr>
@@ -6849,7 +6852,7 @@
       </p:sp>
       <p:sp>
         <p:nvSpPr>
-          <p:cNvPr id="40" name="Google Shape;40;p5"/>
+          <p:cNvPr id="40" name="Google Shape;40;p19"/>
           <p:cNvSpPr txBox="1"/>
           <p:nvPr>
             <p:ph type="title"/>
@@ -7013,7 +7016,7 @@
       </p:sp>
       <p:sp>
         <p:nvSpPr>
-          <p:cNvPr id="41" name="Google Shape;41;p5"/>
+          <p:cNvPr id="41" name="Google Shape;41;p19"/>
           <p:cNvSpPr txBox="1"/>
           <p:nvPr>
             <p:ph idx="1" type="body"/>
@@ -7169,7 +7172,7 @@
       </p:sp>
       <p:sp>
         <p:nvSpPr>
-          <p:cNvPr id="42" name="Google Shape;42;p5"/>
+          <p:cNvPr id="42" name="Google Shape;42;p19"/>
           <p:cNvSpPr txBox="1"/>
           <p:nvPr>
             <p:ph idx="2" type="body"/>
@@ -7325,7 +7328,7 @@
       </p:sp>
       <p:sp>
         <p:nvSpPr>
-          <p:cNvPr id="43" name="Google Shape;43;p5"/>
+          <p:cNvPr id="43" name="Google Shape;43;p19"/>
           <p:cNvSpPr txBox="1"/>
           <p:nvPr>
             <p:ph idx="11" type="ftr"/>
@@ -7485,7 +7488,7 @@
       </p:sp>
       <p:sp>
         <p:nvSpPr>
-          <p:cNvPr id="44" name="Google Shape;44;p5"/>
+          <p:cNvPr id="44" name="Google Shape;44;p19"/>
           <p:cNvSpPr txBox="1"/>
           <p:nvPr>
             <p:ph idx="10" type="dt"/>
@@ -7645,7 +7648,7 @@
       </p:sp>
       <p:sp>
         <p:nvSpPr>
-          <p:cNvPr id="45" name="Google Shape;45;p5"/>
+          <p:cNvPr id="45" name="Google Shape;45;p19"/>
           <p:cNvSpPr txBox="1"/>
           <p:nvPr>
             <p:ph idx="12" type="sldNum"/>
@@ -7949,7 +7952,7 @@
       </p:grpSpPr>
       <p:sp>
         <p:nvSpPr>
-          <p:cNvPr id="47" name="Google Shape;47;p6"/>
+          <p:cNvPr id="47" name="Google Shape;47;p20"/>
           <p:cNvSpPr txBox="1"/>
           <p:nvPr>
             <p:ph type="ctrTitle"/>
@@ -8105,7 +8108,7 @@
       </p:sp>
       <p:sp>
         <p:nvSpPr>
-          <p:cNvPr id="48" name="Google Shape;48;p6"/>
+          <p:cNvPr id="48" name="Google Shape;48;p20"/>
           <p:cNvSpPr txBox="1"/>
           <p:nvPr>
             <p:ph idx="1" type="subTitle"/>
@@ -8261,7 +8264,7 @@
       </p:sp>
       <p:sp>
         <p:nvSpPr>
-          <p:cNvPr id="49" name="Google Shape;49;p6"/>
+          <p:cNvPr id="49" name="Google Shape;49;p20"/>
           <p:cNvSpPr txBox="1"/>
           <p:nvPr>
             <p:ph idx="11" type="ftr"/>
@@ -8421,7 +8424,7 @@
       </p:sp>
       <p:sp>
         <p:nvSpPr>
-          <p:cNvPr id="50" name="Google Shape;50;p6"/>
+          <p:cNvPr id="50" name="Google Shape;50;p20"/>
           <p:cNvSpPr txBox="1"/>
           <p:nvPr>
             <p:ph idx="10" type="dt"/>
@@ -8581,7 +8584,7 @@
       </p:sp>
       <p:sp>
         <p:nvSpPr>
-          <p:cNvPr id="51" name="Google Shape;51;p6"/>
+          <p:cNvPr id="51" name="Google Shape;51;p20"/>
           <p:cNvSpPr txBox="1"/>
           <p:nvPr>
             <p:ph idx="12" type="sldNum"/>
@@ -8892,7 +8895,7 @@
       </p:grpSpPr>
       <p:sp>
         <p:nvSpPr>
-          <p:cNvPr id="10" name="Google Shape;10;p1"/>
+          <p:cNvPr id="10" name="Google Shape;10;p15"/>
           <p:cNvSpPr txBox="1"/>
           <p:nvPr>
             <p:ph type="title"/>
@@ -9156,7 +9159,7 @@
       </p:sp>
       <p:sp>
         <p:nvSpPr>
-          <p:cNvPr id="11" name="Google Shape;11;p1"/>
+          <p:cNvPr id="11" name="Google Shape;11;p15"/>
           <p:cNvSpPr txBox="1"/>
           <p:nvPr>
             <p:ph idx="1" type="body"/>
@@ -9420,7 +9423,7 @@
       </p:sp>
       <p:sp>
         <p:nvSpPr>
-          <p:cNvPr id="12" name="Google Shape;12;p1"/>
+          <p:cNvPr id="12" name="Google Shape;12;p15"/>
           <p:cNvSpPr txBox="1"/>
           <p:nvPr>
             <p:ph idx="11" type="ftr"/>
@@ -9684,7 +9687,7 @@
       </p:sp>
       <p:sp>
         <p:nvSpPr>
-          <p:cNvPr id="13" name="Google Shape;13;p1"/>
+          <p:cNvPr id="13" name="Google Shape;13;p15"/>
           <p:cNvSpPr txBox="1"/>
           <p:nvPr>
             <p:ph idx="10" type="dt"/>
@@ -9948,7 +9951,7 @@
       </p:sp>
       <p:sp>
         <p:nvSpPr>
-          <p:cNvPr id="14" name="Google Shape;14;p1"/>
+          <p:cNvPr id="14" name="Google Shape;14;p15"/>
           <p:cNvSpPr txBox="1"/>
           <p:nvPr>
             <p:ph idx="12" type="sldNum"/>
@@ -10229,11 +10232,11 @@
   </p:cSld>
   <p:clrMap accent1="accent1" accent2="accent2" accent3="accent3" accent4="accent4" accent5="accent5" accent6="accent6" bg1="lt1" bg2="dk2" tx1="dk1" tx2="lt2" folHlink="folHlink" hlink="hlink"/>
   <p:sldLayoutIdLst>
-    <p:sldLayoutId id="2147483648" r:id="rId1"/>
-    <p:sldLayoutId id="2147483649" r:id="rId2"/>
-    <p:sldLayoutId id="2147483650" r:id="rId3"/>
-    <p:sldLayoutId id="2147483651" r:id="rId4"/>
-    <p:sldLayoutId id="2147483652" r:id="rId5"/>
+    <p:sldLayoutId id="2147483649" r:id="rId1"/>
+    <p:sldLayoutId id="2147483650" r:id="rId2"/>
+    <p:sldLayoutId id="2147483651" r:id="rId3"/>
+    <p:sldLayoutId id="2147483652" r:id="rId4"/>
+    <p:sldLayoutId id="2147483653" r:id="rId5"/>
   </p:sldLayoutIdLst>
   <p:hf dt="0" ftr="0" hdr="0" sldNum="0"/>
   <p:txStyles>
@@ -10959,7 +10962,7 @@
       </p:grpSpPr>
       <p:sp>
         <p:nvSpPr>
-          <p:cNvPr id="56" name="Google Shape;56;p7"/>
+          <p:cNvPr id="56" name="Google Shape;56;p1"/>
           <p:cNvSpPr txBox="1"/>
           <p:nvPr>
             <p:ph type="title"/>
@@ -11023,7 +11026,7 @@
       </p:sp>
       <p:pic>
         <p:nvPicPr>
-          <p:cNvPr id="57" name="Google Shape;57;p7"/>
+          <p:cNvPr id="57" name="Google Shape;57;p1"/>
           <p:cNvPicPr preferRelativeResize="0"/>
           <p:nvPr/>
         </p:nvPicPr>
@@ -11050,7 +11053,7 @@
       </p:pic>
       <p:sp>
         <p:nvSpPr>
-          <p:cNvPr id="58" name="Google Shape;58;p7"/>
+          <p:cNvPr id="58" name="Google Shape;58;p1"/>
           <p:cNvSpPr txBox="1"/>
           <p:nvPr/>
         </p:nvSpPr>
@@ -11287,7 +11290,7 @@
       </p:sp>
       <p:sp>
         <p:nvSpPr>
-          <p:cNvPr id="59" name="Google Shape;59;p7"/>
+          <p:cNvPr id="59" name="Google Shape;59;p1"/>
           <p:cNvSpPr/>
           <p:nvPr/>
         </p:nvSpPr>
@@ -11366,7 +11369,7 @@
       </p:sp>
       <p:sp>
         <p:nvSpPr>
-          <p:cNvPr id="60" name="Google Shape;60;p7"/>
+          <p:cNvPr id="60" name="Google Shape;60;p1"/>
           <p:cNvSpPr/>
           <p:nvPr/>
         </p:nvSpPr>
@@ -11445,7 +11448,7 @@
       </p:sp>
       <p:sp>
         <p:nvSpPr>
-          <p:cNvPr id="61" name="Google Shape;61;p7"/>
+          <p:cNvPr id="61" name="Google Shape;61;p1"/>
           <p:cNvSpPr txBox="1"/>
           <p:nvPr/>
         </p:nvSpPr>
@@ -11522,7 +11525,7 @@
   <p:cSld>
     <p:spTree>
       <p:nvGrpSpPr>
-        <p:cNvPr id="141" name="Shape 141"/>
+        <p:cNvPr id="142" name="Shape 142"/>
         <p:cNvGrpSpPr/>
         <p:nvPr/>
       </p:nvGrpSpPr>
@@ -11536,7 +11539,7 @@
       </p:grpSpPr>
       <p:sp>
         <p:nvSpPr>
-          <p:cNvPr id="142" name="Google Shape;142;p16"/>
+          <p:cNvPr id="143" name="Google Shape;143;p10"/>
           <p:cNvSpPr txBox="1"/>
           <p:nvPr/>
         </p:nvSpPr>
@@ -11633,7 +11636,7 @@
       </p:sp>
       <p:pic>
         <p:nvPicPr>
-          <p:cNvPr id="143" name="Google Shape;143;p16"/>
+          <p:cNvPr id="144" name="Google Shape;144;p10"/>
           <p:cNvPicPr preferRelativeResize="0"/>
           <p:nvPr/>
         </p:nvPicPr>
@@ -11660,7 +11663,7 @@
       </p:pic>
       <p:sp>
         <p:nvSpPr>
-          <p:cNvPr id="144" name="Google Shape;144;p16"/>
+          <p:cNvPr id="145" name="Google Shape;145;p10"/>
           <p:cNvSpPr txBox="1"/>
           <p:nvPr/>
         </p:nvSpPr>
@@ -11768,7 +11771,7 @@
   <p:cSld>
     <p:spTree>
       <p:nvGrpSpPr>
-        <p:cNvPr id="148" name="Shape 148"/>
+        <p:cNvPr id="149" name="Shape 149"/>
         <p:cNvGrpSpPr/>
         <p:nvPr/>
       </p:nvGrpSpPr>
@@ -11782,7 +11785,7 @@
       </p:grpSpPr>
       <p:sp>
         <p:nvSpPr>
-          <p:cNvPr id="149" name="Google Shape;149;p17"/>
+          <p:cNvPr id="150" name="Google Shape;150;p11"/>
           <p:cNvSpPr txBox="1"/>
           <p:nvPr/>
         </p:nvSpPr>
@@ -11879,7 +11882,7 @@
       </p:sp>
       <p:sp>
         <p:nvSpPr>
-          <p:cNvPr id="150" name="Google Shape;150;p17"/>
+          <p:cNvPr id="151" name="Google Shape;151;p11"/>
           <p:cNvSpPr txBox="1"/>
           <p:nvPr/>
         </p:nvSpPr>
@@ -11931,29 +11934,6 @@
               </a:rPr>
               <a:t>50 best startup cities in 2019 as suggested by Valuer.</a:t>
             </a:r>
-            <a:endParaRPr/>
-          </a:p>
-          <a:p>
-            <a:pPr indent="0" lvl="0" marL="292735" marR="0" rtl="0" algn="l">
-              <a:lnSpc>
-                <a:spcPct val="100000"/>
-              </a:lnSpc>
-              <a:spcBef>
-                <a:spcPts val="0"/>
-              </a:spcBef>
-              <a:spcAft>
-                <a:spcPts val="0"/>
-              </a:spcAft>
-              <a:buClr>
-                <a:srgbClr val="000000"/>
-              </a:buClr>
-              <a:buSzPts val="1400"/>
-              <a:buFont typeface="Arial"/>
-              <a:buNone/>
-            </a:pPr>
-            <a:r>
-              <a:t/>
-            </a:r>
             <a:endParaRPr b="0" i="0" sz="1400" u="none" cap="none" strike="noStrike">
               <a:solidFill>
                 <a:srgbClr val="000000"/>
@@ -11970,6 +11950,37 @@
                 <a:spcPct val="100000"/>
               </a:lnSpc>
               <a:spcBef>
+                <a:spcPts val="0"/>
+              </a:spcBef>
+              <a:spcAft>
+                <a:spcPts val="0"/>
+              </a:spcAft>
+              <a:buClr>
+                <a:srgbClr val="000000"/>
+              </a:buClr>
+              <a:buSzPts val="1400"/>
+              <a:buFont typeface="Arial"/>
+              <a:buNone/>
+            </a:pPr>
+            <a:r>
+              <a:t/>
+            </a:r>
+            <a:endParaRPr b="0" i="0" sz="1400" u="none" cap="none" strike="noStrike">
+              <a:solidFill>
+                <a:srgbClr val="000000"/>
+              </a:solidFill>
+              <a:latin typeface="Arial"/>
+              <a:ea typeface="Arial"/>
+              <a:cs typeface="Arial"/>
+              <a:sym typeface="Arial"/>
+            </a:endParaRPr>
+          </a:p>
+          <a:p>
+            <a:pPr indent="0" lvl="0" marL="292735" marR="0" rtl="0" algn="l">
+              <a:lnSpc>
+                <a:spcPct val="100000"/>
+              </a:lnSpc>
+              <a:spcBef>
                 <a:spcPts val="100"/>
               </a:spcBef>
               <a:spcAft>
@@ -11994,7 +12005,15 @@
               </a:rPr>
               <a:t>Startup cities fall in regions with comparatively low terrorist activities</a:t>
             </a:r>
-            <a:endParaRPr/>
+            <a:endParaRPr b="0" i="0" sz="1400" u="none" cap="none" strike="noStrike">
+              <a:solidFill>
+                <a:srgbClr val="000000"/>
+              </a:solidFill>
+              <a:latin typeface="Arial"/>
+              <a:ea typeface="Arial"/>
+              <a:cs typeface="Arial"/>
+              <a:sym typeface="Arial"/>
+            </a:endParaRPr>
           </a:p>
           <a:p>
             <a:pPr indent="0" lvl="0" marL="292735" marR="0" rtl="0" algn="l">
@@ -12133,7 +12152,7 @@
       </p:sp>
       <p:pic>
         <p:nvPicPr>
-          <p:cNvPr id="151" name="Google Shape;151;p17"/>
+          <p:cNvPr id="152" name="Google Shape;152;p11"/>
           <p:cNvPicPr preferRelativeResize="0"/>
           <p:nvPr/>
         </p:nvPicPr>
@@ -12171,7 +12190,7 @@
   <p:cSld>
     <p:spTree>
       <p:nvGrpSpPr>
-        <p:cNvPr id="155" name="Shape 155"/>
+        <p:cNvPr id="156" name="Shape 156"/>
         <p:cNvGrpSpPr/>
         <p:nvPr/>
       </p:nvGrpSpPr>
@@ -12185,7 +12204,7 @@
       </p:grpSpPr>
       <p:sp>
         <p:nvSpPr>
-          <p:cNvPr id="156" name="Google Shape;156;p18"/>
+          <p:cNvPr id="157" name="Google Shape;157;p12"/>
           <p:cNvSpPr txBox="1"/>
           <p:nvPr/>
         </p:nvSpPr>
@@ -12235,7 +12254,31 @@
                 <a:cs typeface="Calibri"/>
                 <a:sym typeface="Calibri"/>
               </a:rPr>
-              <a:t>Use case - tourist flows </a:t>
+              <a:t>Use case - </a:t>
+            </a:r>
+            <a:r>
+              <a:rPr b="1" lang="en-US" sz="4400">
+                <a:solidFill>
+                  <a:srgbClr val="FFFFFF"/>
+                </a:solidFill>
+                <a:latin typeface="Calibri"/>
+                <a:ea typeface="Calibri"/>
+                <a:cs typeface="Calibri"/>
+                <a:sym typeface="Calibri"/>
+              </a:rPr>
+              <a:t>T</a:t>
+            </a:r>
+            <a:r>
+              <a:rPr b="1" i="0" lang="en-US" sz="4400" u="none" cap="none" strike="noStrike">
+                <a:solidFill>
+                  <a:srgbClr val="FFFFFF"/>
+                </a:solidFill>
+                <a:latin typeface="Calibri"/>
+                <a:ea typeface="Calibri"/>
+                <a:cs typeface="Calibri"/>
+                <a:sym typeface="Calibri"/>
+              </a:rPr>
+              <a:t>ourist flows </a:t>
             </a:r>
             <a:endParaRPr b="0" i="0" sz="4400" u="none" cap="none" strike="noStrike">
               <a:solidFill>
@@ -12282,7 +12325,7 @@
       </p:sp>
       <p:sp>
         <p:nvSpPr>
-          <p:cNvPr id="157" name="Google Shape;157;p18"/>
+          <p:cNvPr id="158" name="Google Shape;158;p12"/>
           <p:cNvSpPr txBox="1"/>
           <p:nvPr/>
         </p:nvSpPr>
@@ -12334,7 +12377,15 @@
               </a:rPr>
               <a:t>We used Tourist/visitor arrivals and tourism expenditure data from UN data.</a:t>
             </a:r>
-            <a:endParaRPr/>
+            <a:endParaRPr b="0" i="0" sz="1400" u="none" cap="none" strike="noStrike">
+              <a:solidFill>
+                <a:srgbClr val="000000"/>
+              </a:solidFill>
+              <a:latin typeface="Arial"/>
+              <a:ea typeface="Arial"/>
+              <a:cs typeface="Arial"/>
+              <a:sym typeface="Arial"/>
+            </a:endParaRPr>
           </a:p>
           <a:p>
             <a:pPr indent="0" lvl="0" marL="292735" marR="0" rtl="0" algn="l">
@@ -12397,7 +12448,15 @@
               </a:rPr>
               <a:t>Heat map shows the no. of people killed by terrorist activities and circles shows the number of tourists to these countries.</a:t>
             </a:r>
-            <a:endParaRPr/>
+            <a:endParaRPr b="0" i="0" sz="1400" u="none" cap="none" strike="noStrike">
+              <a:solidFill>
+                <a:srgbClr val="000000"/>
+              </a:solidFill>
+              <a:latin typeface="Arial"/>
+              <a:ea typeface="Arial"/>
+              <a:cs typeface="Arial"/>
+              <a:sym typeface="Arial"/>
+            </a:endParaRPr>
           </a:p>
           <a:p>
             <a:pPr indent="0" lvl="0" marL="292735" marR="0" rtl="0" algn="l">
@@ -12505,7 +12564,7 @@
       </p:sp>
       <p:pic>
         <p:nvPicPr>
-          <p:cNvPr id="158" name="Google Shape;158;p18"/>
+          <p:cNvPr id="159" name="Google Shape;159;p12"/>
           <p:cNvPicPr preferRelativeResize="0"/>
           <p:nvPr/>
         </p:nvPicPr>
@@ -12543,7 +12602,7 @@
   <p:cSld>
     <p:spTree>
       <p:nvGrpSpPr>
-        <p:cNvPr id="162" name="Shape 162"/>
+        <p:cNvPr id="163" name="Shape 163"/>
         <p:cNvGrpSpPr/>
         <p:nvPr/>
       </p:nvGrpSpPr>
@@ -12557,7 +12616,7 @@
       </p:grpSpPr>
       <p:sp>
         <p:nvSpPr>
-          <p:cNvPr id="163" name="Google Shape;163;p19"/>
+          <p:cNvPr id="164" name="Google Shape;164;p13"/>
           <p:cNvSpPr/>
           <p:nvPr/>
         </p:nvSpPr>
@@ -12636,7 +12695,7 @@
       </p:sp>
       <p:sp>
         <p:nvSpPr>
-          <p:cNvPr id="164" name="Google Shape;164;p19"/>
+          <p:cNvPr id="165" name="Google Shape;165;p13"/>
           <p:cNvSpPr/>
           <p:nvPr/>
         </p:nvSpPr>
@@ -12715,7 +12774,7 @@
       </p:sp>
       <p:sp>
         <p:nvSpPr>
-          <p:cNvPr id="165" name="Google Shape;165;p19"/>
+          <p:cNvPr id="166" name="Google Shape;166;p13"/>
           <p:cNvSpPr txBox="1"/>
           <p:nvPr/>
         </p:nvSpPr>
@@ -12781,14 +12840,14 @@
       </p:sp>
       <p:sp>
         <p:nvSpPr>
-          <p:cNvPr id="166" name="Google Shape;166;p19"/>
+          <p:cNvPr id="167" name="Google Shape;167;p13"/>
           <p:cNvSpPr/>
           <p:nvPr/>
         </p:nvSpPr>
         <p:spPr>
           <a:xfrm>
-            <a:off x="5500687" y="2241969"/>
-            <a:ext cx="9144000" cy="5539593"/>
+            <a:off x="4282375" y="1326600"/>
+            <a:ext cx="11637000" cy="7913100"/>
           </a:xfrm>
           <a:prstGeom prst="rect">
             <a:avLst/>
@@ -12814,6 +12873,11 @@
               <a:spcAft>
                 <a:spcPts val="0"/>
               </a:spcAft>
+              <a:buClr>
+                <a:srgbClr val="000000"/>
+              </a:buClr>
+              <a:buSzPts val="4000"/>
+              <a:buFont typeface="Arial"/>
               <a:buNone/>
             </a:pPr>
             <a:r>
@@ -12840,7 +12904,15 @@
               </a:rPr>
               <a:t>:</a:t>
             </a:r>
-            <a:endParaRPr/>
+            <a:endParaRPr b="0" i="0" sz="1400" u="none" cap="none" strike="noStrike">
+              <a:solidFill>
+                <a:srgbClr val="000000"/>
+              </a:solidFill>
+              <a:latin typeface="Arial"/>
+              <a:ea typeface="Arial"/>
+              <a:cs typeface="Arial"/>
+              <a:sym typeface="Arial"/>
+            </a:endParaRPr>
           </a:p>
           <a:p>
             <a:pPr indent="0" lvl="0" marL="0" marR="5080" rtl="0" algn="l">
@@ -12853,6 +12925,11 @@
               <a:spcAft>
                 <a:spcPts val="0"/>
               </a:spcAft>
+              <a:buClr>
+                <a:srgbClr val="000000"/>
+              </a:buClr>
+              <a:buSzPts val="3200"/>
+              <a:buFont typeface="Arial"/>
               <a:buNone/>
             </a:pPr>
             <a:r>
@@ -12865,9 +12942,41 @@
                 <a:cs typeface="Calibri"/>
                 <a:sym typeface="Calibri"/>
               </a:rPr>
-              <a:t>Data shows terrorism activities peaked in 2014 There is clear link to countries like Iraq - civil war   </a:t>
+              <a:t>Data shows terrorism activities peaked in 2014</a:t>
             </a:r>
-            <a:endParaRPr/>
+            <a:r>
+              <a:rPr lang="en-US" sz="3200">
+                <a:solidFill>
+                  <a:schemeClr val="lt1"/>
+                </a:solidFill>
+                <a:latin typeface="Calibri"/>
+                <a:ea typeface="Calibri"/>
+                <a:cs typeface="Calibri"/>
+                <a:sym typeface="Calibri"/>
+              </a:rPr>
+              <a:t>. </a:t>
+            </a:r>
+            <a:r>
+              <a:rPr b="0" i="0" lang="en-US" sz="3200" u="none" cap="none" strike="noStrike">
+                <a:solidFill>
+                  <a:schemeClr val="lt1"/>
+                </a:solidFill>
+                <a:latin typeface="Calibri"/>
+                <a:ea typeface="Calibri"/>
+                <a:cs typeface="Calibri"/>
+                <a:sym typeface="Calibri"/>
+              </a:rPr>
+              <a:t>There is clear link to countries like Iraq - civil war   </a:t>
+            </a:r>
+            <a:endParaRPr b="0" i="0" sz="1400" u="none" cap="none" strike="noStrike">
+              <a:solidFill>
+                <a:srgbClr val="000000"/>
+              </a:solidFill>
+              <a:latin typeface="Arial"/>
+              <a:ea typeface="Arial"/>
+              <a:cs typeface="Arial"/>
+              <a:sym typeface="Arial"/>
+            </a:endParaRPr>
           </a:p>
           <a:p>
             <a:pPr indent="0" lvl="0" marL="0" marR="5080" rtl="0" algn="l">
@@ -12880,6 +12989,11 @@
               <a:spcAft>
                 <a:spcPts val="0"/>
               </a:spcAft>
+              <a:buClr>
+                <a:srgbClr val="000000"/>
+              </a:buClr>
+              <a:buSzPts val="3200"/>
+              <a:buFont typeface="Arial"/>
               <a:buNone/>
             </a:pPr>
             <a:r>
@@ -12906,6 +13020,11 @@
               <a:spcAft>
                 <a:spcPts val="0"/>
               </a:spcAft>
+              <a:buClr>
+                <a:srgbClr val="000000"/>
+              </a:buClr>
+              <a:buSzPts val="4000"/>
+              <a:buFont typeface="Arial"/>
               <a:buNone/>
             </a:pPr>
             <a:r>
@@ -12932,7 +13051,15 @@
               </a:rPr>
               <a:t>:</a:t>
             </a:r>
-            <a:endParaRPr/>
+            <a:endParaRPr b="0" i="0" sz="1400" u="none" cap="none" strike="noStrike">
+              <a:solidFill>
+                <a:srgbClr val="000000"/>
+              </a:solidFill>
+              <a:latin typeface="Arial"/>
+              <a:ea typeface="Arial"/>
+              <a:cs typeface="Arial"/>
+              <a:sym typeface="Arial"/>
+            </a:endParaRPr>
           </a:p>
           <a:p>
             <a:pPr indent="0" lvl="0" marL="0" marR="5080" rtl="0" algn="l">
@@ -12945,6 +13072,11 @@
               <a:spcAft>
                 <a:spcPts val="0"/>
               </a:spcAft>
+              <a:buClr>
+                <a:srgbClr val="000000"/>
+              </a:buClr>
+              <a:buSzPts val="3200"/>
+              <a:buFont typeface="Arial"/>
               <a:buNone/>
             </a:pPr>
             <a:r>
@@ -12957,9 +13089,119 @@
                 <a:cs typeface="Calibri"/>
                 <a:sym typeface="Calibri"/>
               </a:rPr>
-              <a:t>Individuals interested in the risk associated with their business could refer to the database to run a risk analysis for the region of interest</a:t>
+              <a:t>Individuals interested in the risk associated with their business could refer to the database to run a risk analysis for the region of interest.</a:t>
             </a:r>
-            <a:endParaRPr/>
+            <a:endParaRPr b="0" i="0" sz="3200" u="none" cap="none" strike="noStrike">
+              <a:solidFill>
+                <a:schemeClr val="lt1"/>
+              </a:solidFill>
+              <a:latin typeface="Calibri"/>
+              <a:ea typeface="Calibri"/>
+              <a:cs typeface="Calibri"/>
+              <a:sym typeface="Calibri"/>
+            </a:endParaRPr>
+          </a:p>
+          <a:p>
+            <a:pPr indent="0" lvl="0" marL="0" marR="5080" rtl="0" algn="l">
+              <a:lnSpc>
+                <a:spcPct val="114599"/>
+              </a:lnSpc>
+              <a:spcBef>
+                <a:spcPts val="1265"/>
+              </a:spcBef>
+              <a:spcAft>
+                <a:spcPts val="0"/>
+              </a:spcAft>
+              <a:buClr>
+                <a:schemeClr val="dk1"/>
+              </a:buClr>
+              <a:buSzPts val="1100"/>
+              <a:buFont typeface="Arial"/>
+              <a:buNone/>
+            </a:pPr>
+            <a:r>
+              <a:rPr lang="en-US" sz="3200">
+                <a:solidFill>
+                  <a:schemeClr val="lt1"/>
+                </a:solidFill>
+                <a:latin typeface="Calibri"/>
+                <a:ea typeface="Calibri"/>
+                <a:cs typeface="Calibri"/>
+                <a:sym typeface="Calibri"/>
+              </a:rPr>
+              <a:t>Scholars, researchers, analysts, journalists can use our analysis.</a:t>
+            </a:r>
+            <a:endParaRPr sz="3200">
+              <a:solidFill>
+                <a:schemeClr val="lt1"/>
+              </a:solidFill>
+              <a:latin typeface="Calibri"/>
+              <a:ea typeface="Calibri"/>
+              <a:cs typeface="Calibri"/>
+              <a:sym typeface="Calibri"/>
+            </a:endParaRPr>
+          </a:p>
+          <a:p>
+            <a:pPr indent="0" lvl="0" marL="0" marR="5080" rtl="0" algn="l">
+              <a:lnSpc>
+                <a:spcPct val="114599"/>
+              </a:lnSpc>
+              <a:spcBef>
+                <a:spcPts val="1265"/>
+              </a:spcBef>
+              <a:spcAft>
+                <a:spcPts val="0"/>
+              </a:spcAft>
+              <a:buClr>
+                <a:schemeClr val="dk1"/>
+              </a:buClr>
+              <a:buSzPts val="1100"/>
+              <a:buFont typeface="Arial"/>
+              <a:buNone/>
+            </a:pPr>
+            <a:r>
+              <a:t/>
+            </a:r>
+            <a:endParaRPr sz="3200">
+              <a:solidFill>
+                <a:schemeClr val="lt1"/>
+              </a:solidFill>
+              <a:latin typeface="Calibri"/>
+              <a:ea typeface="Calibri"/>
+              <a:cs typeface="Calibri"/>
+              <a:sym typeface="Calibri"/>
+            </a:endParaRPr>
+          </a:p>
+          <a:p>
+            <a:pPr indent="0" lvl="0" marL="0" marR="5080" rtl="0" algn="l">
+              <a:lnSpc>
+                <a:spcPct val="114599"/>
+              </a:lnSpc>
+              <a:spcBef>
+                <a:spcPts val="1265"/>
+              </a:spcBef>
+              <a:spcAft>
+                <a:spcPts val="0"/>
+              </a:spcAft>
+              <a:buClr>
+                <a:srgbClr val="000000"/>
+              </a:buClr>
+              <a:buSzPts val="3200"/>
+              <a:buFont typeface="Arial"/>
+              <a:buNone/>
+            </a:pPr>
+            <a:r>
+              <a:t/>
+            </a:r>
+            <a:endParaRPr sz="3200">
+              <a:solidFill>
+                <a:schemeClr val="lt1"/>
+              </a:solidFill>
+              <a:latin typeface="Calibri"/>
+              <a:ea typeface="Calibri"/>
+              <a:cs typeface="Calibri"/>
+              <a:sym typeface="Calibri"/>
+            </a:endParaRPr>
           </a:p>
         </p:txBody>
       </p:sp>
@@ -12976,7 +13218,7 @@
   <p:cSld>
     <p:spTree>
       <p:nvGrpSpPr>
-        <p:cNvPr id="170" name="Shape 170"/>
+        <p:cNvPr id="171" name="Shape 171"/>
         <p:cNvGrpSpPr/>
         <p:nvPr/>
       </p:nvGrpSpPr>
@@ -12990,7 +13232,7 @@
       </p:grpSpPr>
       <p:sp>
         <p:nvSpPr>
-          <p:cNvPr id="171" name="Google Shape;171;p20"/>
+          <p:cNvPr id="172" name="Google Shape;172;p14"/>
           <p:cNvSpPr/>
           <p:nvPr/>
         </p:nvSpPr>
@@ -13069,7 +13311,7 @@
       </p:sp>
       <p:sp>
         <p:nvSpPr>
-          <p:cNvPr id="172" name="Google Shape;172;p20"/>
+          <p:cNvPr id="173" name="Google Shape;173;p14"/>
           <p:cNvSpPr/>
           <p:nvPr/>
         </p:nvSpPr>
@@ -13148,7 +13390,7 @@
       </p:sp>
       <p:sp>
         <p:nvSpPr>
-          <p:cNvPr id="173" name="Google Shape;173;p20"/>
+          <p:cNvPr id="174" name="Google Shape;174;p14"/>
           <p:cNvSpPr txBox="1"/>
           <p:nvPr/>
         </p:nvSpPr>
@@ -13189,7 +13431,7 @@
               <a:buNone/>
             </a:pPr>
             <a:r>
-              <a:rPr b="1" lang="en-US" sz="7200">
+              <a:rPr b="1" i="0" lang="en-US" sz="7200" u="none" cap="none" strike="noStrike">
                 <a:solidFill>
                   <a:schemeClr val="lt1"/>
                 </a:solidFill>
@@ -13214,21 +13456,29 @@
       </p:sp>
       <p:sp>
         <p:nvSpPr>
-          <p:cNvPr id="174" name="Google Shape;174;p20"/>
+          <p:cNvPr id="175" name="Google Shape;175;p14"/>
           <p:cNvSpPr/>
           <p:nvPr/>
         </p:nvSpPr>
         <p:spPr>
           <a:xfrm>
-            <a:off x="4397725" y="2373750"/>
-            <a:ext cx="13762800" cy="6228000"/>
+            <a:off x="4281375" y="2094638"/>
+            <a:ext cx="13762800" cy="6121200"/>
           </a:xfrm>
           <a:prstGeom prst="rect">
             <a:avLst/>
           </a:prstGeom>
-          <a:noFill/>
-          <a:ln>
-            <a:noFill/>
+          <a:solidFill>
+            <a:srgbClr val="FFFFFF"/>
+          </a:solidFill>
+          <a:ln cap="flat" cmpd="sng" w="9525">
+            <a:solidFill>
+              <a:srgbClr val="FF0000"/>
+            </a:solidFill>
+            <a:prstDash val="solid"/>
+            <a:round/>
+            <a:headEnd len="sm" w="sm" type="none"/>
+            <a:tailEnd len="sm" w="sm" type="none"/>
           </a:ln>
         </p:spPr>
         <p:txBody>
@@ -13247,10 +13497,15 @@
               <a:spcAft>
                 <a:spcPts val="0"/>
               </a:spcAft>
+              <a:buClr>
+                <a:srgbClr val="000000"/>
+              </a:buClr>
+              <a:buSzPts val="4000"/>
+              <a:buFont typeface="Arial"/>
               <a:buNone/>
             </a:pPr>
             <a:r>
-              <a:rPr lang="en-US" sz="4000">
+              <a:rPr b="0" i="0" lang="en-US" sz="4000" u="none" cap="none" strike="noStrike">
                 <a:solidFill>
                   <a:srgbClr val="FF0000"/>
                 </a:solidFill>
@@ -13259,12 +13514,36 @@
                 <a:cs typeface="Calibri"/>
                 <a:sym typeface="Calibri"/>
               </a:rPr>
-              <a:t>Github link</a:t>
+              <a:t>Github </a:t>
             </a:r>
             <a:r>
-              <a:rPr b="0" i="0" lang="en-US" sz="3200" u="none" cap="none" strike="noStrike">
-                <a:solidFill>
-                  <a:schemeClr val="lt1"/>
+              <a:rPr lang="en-US" sz="4000">
+                <a:solidFill>
+                  <a:srgbClr val="FF0000"/>
+                </a:solidFill>
+                <a:latin typeface="Calibri"/>
+                <a:ea typeface="Calibri"/>
+                <a:cs typeface="Calibri"/>
+                <a:sym typeface="Calibri"/>
+              </a:rPr>
+              <a:t>L</a:t>
+            </a:r>
+            <a:r>
+              <a:rPr b="0" i="0" lang="en-US" sz="4000" u="none" cap="none" strike="noStrike">
+                <a:solidFill>
+                  <a:srgbClr val="FF0000"/>
+                </a:solidFill>
+                <a:latin typeface="Calibri"/>
+                <a:ea typeface="Calibri"/>
+                <a:cs typeface="Calibri"/>
+                <a:sym typeface="Calibri"/>
+              </a:rPr>
+              <a:t>ink</a:t>
+            </a:r>
+            <a:r>
+              <a:rPr lang="en-US" sz="4000">
+                <a:solidFill>
+                  <a:srgbClr val="FF0000"/>
                 </a:solidFill>
                 <a:latin typeface="Calibri"/>
                 <a:ea typeface="Calibri"/>
@@ -13273,7 +13552,15 @@
               </a:rPr>
               <a:t>:</a:t>
             </a:r>
-            <a:endParaRPr/>
+            <a:endParaRPr b="0" i="0" sz="1400" u="none" cap="none" strike="noStrike">
+              <a:solidFill>
+                <a:srgbClr val="000000"/>
+              </a:solidFill>
+              <a:latin typeface="Arial"/>
+              <a:ea typeface="Arial"/>
+              <a:cs typeface="Arial"/>
+              <a:sym typeface="Arial"/>
+            </a:endParaRPr>
           </a:p>
           <a:p>
             <a:pPr indent="0" lvl="0" marL="0" marR="5080" rtl="0" algn="l">
@@ -13286,18 +13573,35 @@
               <a:spcAft>
                 <a:spcPts val="0"/>
               </a:spcAft>
+              <a:buClr>
+                <a:srgbClr val="000000"/>
+              </a:buClr>
+              <a:buSzPts val="3000"/>
+              <a:buFont typeface="Arial"/>
               <a:buNone/>
             </a:pPr>
             <a:r>
-              <a:rPr lang="en-US" sz="3000" u="sng">
+              <a:rPr b="0" i="0" lang="en-US" sz="3000" u="sng" cap="none" strike="noStrike">
                 <a:solidFill>
                   <a:schemeClr val="hlink"/>
                 </a:solidFill>
+                <a:latin typeface="Arial"/>
+                <a:ea typeface="Arial"/>
+                <a:cs typeface="Arial"/>
+                <a:sym typeface="Arial"/>
                 <a:hlinkClick r:id="rId3"/>
               </a:rPr>
               <a:t>https://github.com/kanishk307/Global-Terrorism-Dataset-INFM600</a:t>
             </a:r>
-            <a:endParaRPr sz="3000"/>
+            <a:endParaRPr b="0" i="0" sz="3000" u="none" cap="none" strike="noStrike">
+              <a:solidFill>
+                <a:srgbClr val="000000"/>
+              </a:solidFill>
+              <a:latin typeface="Arial"/>
+              <a:ea typeface="Arial"/>
+              <a:cs typeface="Arial"/>
+              <a:sym typeface="Arial"/>
+            </a:endParaRPr>
           </a:p>
           <a:p>
             <a:pPr indent="0" lvl="0" marL="0" marR="5080" rtl="0" algn="l">
@@ -13310,6 +13614,11 @@
               <a:spcAft>
                 <a:spcPts val="0"/>
               </a:spcAft>
+              <a:buClr>
+                <a:srgbClr val="000000"/>
+              </a:buClr>
+              <a:buSzPts val="3200"/>
+              <a:buFont typeface="Arial"/>
               <a:buNone/>
             </a:pPr>
             <a:r>
@@ -13336,10 +13645,15 @@
               <a:spcAft>
                 <a:spcPts val="0"/>
               </a:spcAft>
+              <a:buClr>
+                <a:srgbClr val="000000"/>
+              </a:buClr>
+              <a:buSzPts val="4000"/>
+              <a:buFont typeface="Arial"/>
               <a:buNone/>
             </a:pPr>
             <a:r>
-              <a:rPr lang="en-US" sz="4000">
+              <a:rPr b="0" i="0" lang="en-US" sz="4000" u="none" cap="none" strike="noStrike">
                 <a:solidFill>
                   <a:srgbClr val="FF0000"/>
                 </a:solidFill>
@@ -13350,7 +13664,7 @@
               </a:rPr>
               <a:t>Quick Links:</a:t>
             </a:r>
-            <a:endParaRPr sz="4000">
+            <a:endParaRPr b="0" i="0" sz="4000" u="none" cap="none" strike="noStrike">
               <a:solidFill>
                 <a:srgbClr val="FF0000"/>
               </a:solidFill>
@@ -13361,7 +13675,7 @@
             </a:endParaRPr>
           </a:p>
           <a:p>
-            <a:pPr indent="-381000" lvl="0" marL="457200" marR="5080" rtl="0" algn="l">
+            <a:pPr indent="-368300" lvl="0" marL="457200" marR="5080" rtl="0" algn="l">
               <a:lnSpc>
                 <a:spcPct val="114599"/>
               </a:lnSpc>
@@ -13374,12 +13688,12 @@
               <a:buClr>
                 <a:srgbClr val="FF0000"/>
               </a:buClr>
-              <a:buSzPts val="2400"/>
+              <a:buSzPts val="2200"/>
               <a:buFont typeface="Calibri"/>
               <a:buChar char="●"/>
             </a:pPr>
             <a:r>
-              <a:rPr lang="en-US" sz="2400">
+              <a:rPr b="0" i="0" lang="en-US" sz="2200" u="none" cap="none" strike="noStrike">
                 <a:solidFill>
                   <a:srgbClr val="FF0000"/>
                 </a:solidFill>
@@ -13388,18 +13702,34 @@
                 <a:cs typeface="Calibri"/>
                 <a:sym typeface="Calibri"/>
               </a:rPr>
-              <a:t>Presentation: </a:t>
+              <a:t>Presentation:</a:t>
             </a:r>
             <a:r>
-              <a:rPr lang="en-US" sz="1800" u="sng">
+              <a:rPr b="0" i="0" lang="en-US" sz="2200" u="none" cap="none" strike="noStrike">
+                <a:solidFill>
+                  <a:srgbClr val="FF0000"/>
+                </a:solidFill>
+                <a:latin typeface="Calibri"/>
+                <a:ea typeface="Calibri"/>
+                <a:cs typeface="Calibri"/>
+                <a:sym typeface="Calibri"/>
+              </a:rPr>
+              <a:t> </a:t>
+            </a:r>
+            <a:r>
+              <a:rPr b="0" i="0" lang="en-US" sz="2200" u="sng" cap="none" strike="noStrike">
                 <a:solidFill>
                   <a:schemeClr val="hlink"/>
                 </a:solidFill>
+                <a:latin typeface="Arial"/>
+                <a:ea typeface="Arial"/>
+                <a:cs typeface="Arial"/>
+                <a:sym typeface="Arial"/>
                 <a:hlinkClick r:id="rId4"/>
               </a:rPr>
               <a:t>https://github.com/kanishk307/Global-Terrorism-Dataset-INFM600/tree/master/Presentation</a:t>
             </a:r>
-            <a:endParaRPr sz="1800">
+            <a:endParaRPr b="0" i="0" sz="2200" u="none" cap="none" strike="noStrike">
               <a:solidFill>
                 <a:srgbClr val="FF0000"/>
               </a:solidFill>
@@ -13410,7 +13740,7 @@
             </a:endParaRPr>
           </a:p>
           <a:p>
-            <a:pPr indent="-381000" lvl="0" marL="457200" marR="5080" rtl="0" algn="l">
+            <a:pPr indent="-368300" lvl="0" marL="457200" marR="5080" rtl="0" algn="l">
               <a:lnSpc>
                 <a:spcPct val="114599"/>
               </a:lnSpc>
@@ -13423,12 +13753,12 @@
               <a:buClr>
                 <a:srgbClr val="FF0000"/>
               </a:buClr>
-              <a:buSzPts val="2400"/>
+              <a:buSzPts val="2200"/>
               <a:buFont typeface="Calibri"/>
               <a:buChar char="●"/>
             </a:pPr>
             <a:r>
-              <a:rPr lang="en-US" sz="2400">
+              <a:rPr b="0" i="0" lang="en-US" sz="2200" u="none" cap="none" strike="noStrike">
                 <a:solidFill>
                   <a:srgbClr val="FF0000"/>
                 </a:solidFill>
@@ -13440,15 +13770,19 @@
               <a:t>R Code: </a:t>
             </a:r>
             <a:r>
-              <a:rPr lang="en-US" sz="1800" u="sng">
+              <a:rPr b="0" i="0" lang="en-US" sz="2200" u="sng" cap="none" strike="noStrike">
                 <a:solidFill>
                   <a:schemeClr val="hlink"/>
                 </a:solidFill>
+                <a:latin typeface="Arial"/>
+                <a:ea typeface="Arial"/>
+                <a:cs typeface="Arial"/>
+                <a:sym typeface="Arial"/>
                 <a:hlinkClick r:id="rId5"/>
               </a:rPr>
               <a:t>https://github.com/kanishk307/Global-Terrorism-Dataset-INFM600/tree/master/Code</a:t>
             </a:r>
-            <a:endParaRPr sz="1800">
+            <a:endParaRPr b="0" i="0" sz="2200" u="none" cap="none" strike="noStrike">
               <a:solidFill>
                 <a:srgbClr val="FF0000"/>
               </a:solidFill>
@@ -13459,7 +13793,7 @@
             </a:endParaRPr>
           </a:p>
           <a:p>
-            <a:pPr indent="-381000" lvl="0" marL="457200" marR="5080" rtl="0" algn="l">
+            <a:pPr indent="-368300" lvl="0" marL="457200" marR="5080" rtl="0" algn="l">
               <a:lnSpc>
                 <a:spcPct val="114599"/>
               </a:lnSpc>
@@ -13472,12 +13806,12 @@
               <a:buClr>
                 <a:srgbClr val="FF0000"/>
               </a:buClr>
-              <a:buSzPts val="2400"/>
+              <a:buSzPts val="2200"/>
               <a:buFont typeface="Calibri"/>
               <a:buChar char="●"/>
             </a:pPr>
             <a:r>
-              <a:rPr lang="en-US" sz="2400">
+              <a:rPr b="0" i="0" lang="en-US" sz="2200" u="none" cap="none" strike="noStrike">
                 <a:solidFill>
                   <a:srgbClr val="FF0000"/>
                 </a:solidFill>
@@ -13489,15 +13823,19 @@
               <a:t>Dataset: </a:t>
             </a:r>
             <a:r>
-              <a:rPr lang="en-US" sz="1800" u="sng">
+              <a:rPr b="0" i="0" lang="en-US" sz="2200" u="sng" cap="none" strike="noStrike">
                 <a:solidFill>
                   <a:schemeClr val="hlink"/>
                 </a:solidFill>
+                <a:latin typeface="Arial"/>
+                <a:ea typeface="Arial"/>
+                <a:cs typeface="Arial"/>
+                <a:sym typeface="Arial"/>
                 <a:hlinkClick r:id="rId6"/>
               </a:rPr>
               <a:t>https://github.com/kanishk307/Global-Terrorism-Dataset-INFM600/tree/master/Dataset</a:t>
             </a:r>
-            <a:endParaRPr sz="1800">
+            <a:endParaRPr b="0" i="0" sz="2200" u="none" cap="none" strike="noStrike">
               <a:solidFill>
                 <a:srgbClr val="FF0000"/>
               </a:solidFill>
@@ -13508,7 +13846,7 @@
             </a:endParaRPr>
           </a:p>
           <a:p>
-            <a:pPr indent="-381000" lvl="0" marL="457200" marR="5080" rtl="0" algn="l">
+            <a:pPr indent="-368300" lvl="0" marL="457200" marR="5080" rtl="0" algn="l">
               <a:lnSpc>
                 <a:spcPct val="114599"/>
               </a:lnSpc>
@@ -13521,12 +13859,12 @@
               <a:buClr>
                 <a:srgbClr val="FF0000"/>
               </a:buClr>
-              <a:buSzPts val="2400"/>
+              <a:buSzPts val="2200"/>
               <a:buFont typeface="Calibri"/>
               <a:buChar char="●"/>
             </a:pPr>
             <a:r>
-              <a:rPr lang="en-US" sz="2400">
+              <a:rPr b="0" i="0" lang="en-US" sz="2200" u="none" cap="none" strike="noStrike">
                 <a:solidFill>
                   <a:srgbClr val="FF0000"/>
                 </a:solidFill>
@@ -13538,15 +13876,19 @@
               <a:t>Report: </a:t>
             </a:r>
             <a:r>
-              <a:rPr lang="en-US" sz="1800" u="sng">
+              <a:rPr b="0" i="0" lang="en-US" sz="2200" u="sng" cap="none" strike="noStrike">
                 <a:solidFill>
                   <a:schemeClr val="hlink"/>
                 </a:solidFill>
+                <a:latin typeface="Arial"/>
+                <a:ea typeface="Arial"/>
+                <a:cs typeface="Arial"/>
+                <a:sym typeface="Arial"/>
                 <a:hlinkClick r:id="rId7"/>
               </a:rPr>
               <a:t>https://github.com/kanishk307/Global-Terrorism-Dataset-INFM600/tree/master/Report</a:t>
             </a:r>
-            <a:endParaRPr sz="1800">
+            <a:endParaRPr b="0" i="0" sz="2200" u="none" cap="none" strike="noStrike">
               <a:solidFill>
                 <a:srgbClr val="FF0000"/>
               </a:solidFill>
@@ -13557,7 +13899,7 @@
             </a:endParaRPr>
           </a:p>
           <a:p>
-            <a:pPr indent="-381000" lvl="0" marL="457200" marR="5080" rtl="0" algn="l">
+            <a:pPr indent="-368300" lvl="0" marL="457200" marR="5080" rtl="0" algn="l">
               <a:lnSpc>
                 <a:spcPct val="114599"/>
               </a:lnSpc>
@@ -13570,12 +13912,12 @@
               <a:buClr>
                 <a:srgbClr val="FF0000"/>
               </a:buClr>
-              <a:buSzPts val="2400"/>
+              <a:buSzPts val="2200"/>
               <a:buFont typeface="Calibri"/>
               <a:buChar char="●"/>
             </a:pPr>
             <a:r>
-              <a:rPr lang="en-US" sz="2400">
+              <a:rPr b="0" i="0" lang="en-US" sz="2200" u="none" cap="none" strike="noStrike">
                 <a:solidFill>
                   <a:srgbClr val="FF0000"/>
                 </a:solidFill>
@@ -13587,15 +13929,19 @@
               <a:t>Proposal: </a:t>
             </a:r>
             <a:r>
-              <a:rPr lang="en-US" sz="1800" u="sng">
+              <a:rPr b="0" i="0" lang="en-US" sz="2200" u="sng" cap="none" strike="noStrike">
                 <a:solidFill>
                   <a:schemeClr val="hlink"/>
                 </a:solidFill>
+                <a:latin typeface="Arial"/>
+                <a:ea typeface="Arial"/>
+                <a:cs typeface="Arial"/>
+                <a:sym typeface="Arial"/>
                 <a:hlinkClick r:id="rId8"/>
               </a:rPr>
               <a:t>https://github.com/kanishk307/Global-Terrorism-Dataset-INFM600/tree/master/Proposal</a:t>
             </a:r>
-            <a:endParaRPr sz="1800">
+            <a:endParaRPr b="0" i="0" sz="2200" u="none" cap="none" strike="noStrike">
               <a:solidFill>
                 <a:srgbClr val="FF0000"/>
               </a:solidFill>
@@ -13606,7 +13952,7 @@
             </a:endParaRPr>
           </a:p>
           <a:p>
-            <a:pPr indent="-342900" lvl="0" marL="457200" marR="5080" rtl="0" algn="l">
+            <a:pPr indent="-368300" lvl="0" marL="457200" marR="5080" rtl="0" algn="l">
               <a:lnSpc>
                 <a:spcPct val="114599"/>
               </a:lnSpc>
@@ -13619,12 +13965,12 @@
               <a:buClr>
                 <a:srgbClr val="FF0000"/>
               </a:buClr>
-              <a:buSzPts val="1800"/>
+              <a:buSzPts val="2200"/>
               <a:buFont typeface="Calibri"/>
               <a:buChar char="●"/>
             </a:pPr>
             <a:r>
-              <a:rPr lang="en-US" sz="2400">
+              <a:rPr b="0" i="0" lang="en-US" sz="2200" u="none" cap="none" strike="noStrike">
                 <a:solidFill>
                   <a:srgbClr val="FF0000"/>
                 </a:solidFill>
@@ -13633,30 +13979,22 @@
                 <a:cs typeface="Calibri"/>
                 <a:sym typeface="Calibri"/>
               </a:rPr>
-              <a:t>Tableau</a:t>
+              <a:t>Tableau: </a:t>
             </a:r>
             <a:r>
-              <a:rPr lang="en-US" sz="1800">
-                <a:solidFill>
-                  <a:srgbClr val="FF0000"/>
-                </a:solidFill>
-                <a:latin typeface="Calibri"/>
-                <a:ea typeface="Calibri"/>
-                <a:cs typeface="Calibri"/>
-                <a:sym typeface="Calibri"/>
-              </a:rPr>
-              <a:t>: </a:t>
-            </a:r>
-            <a:r>
-              <a:rPr lang="en-US" sz="1800" u="sng">
+              <a:rPr b="0" i="0" lang="en-US" sz="2200" u="sng" cap="none" strike="noStrike">
                 <a:solidFill>
                   <a:schemeClr val="hlink"/>
                 </a:solidFill>
+                <a:latin typeface="Arial"/>
+                <a:ea typeface="Arial"/>
+                <a:cs typeface="Arial"/>
+                <a:sym typeface="Arial"/>
                 <a:hlinkClick r:id="rId9"/>
               </a:rPr>
               <a:t>https://github.com/kanishk307/Global-Terrorism-Dataset-INFM600/tree/master/Tableau</a:t>
             </a:r>
-            <a:endParaRPr sz="1800">
+            <a:endParaRPr b="0" i="0" sz="2200" u="none" cap="none" strike="noStrike">
               <a:solidFill>
                 <a:srgbClr val="FF0000"/>
               </a:solidFill>
@@ -13695,7 +14033,7 @@
       </p:grpSpPr>
       <p:sp>
         <p:nvSpPr>
-          <p:cNvPr id="67" name="Google Shape;67;p8"/>
+          <p:cNvPr id="67" name="Google Shape;67;p2"/>
           <p:cNvSpPr txBox="1"/>
           <p:nvPr>
             <p:ph type="title"/>
@@ -13747,7 +14085,7 @@
       </p:sp>
       <p:sp>
         <p:nvSpPr>
-          <p:cNvPr id="68" name="Google Shape;68;p8"/>
+          <p:cNvPr id="68" name="Google Shape;68;p2"/>
           <p:cNvSpPr txBox="1"/>
           <p:nvPr/>
         </p:nvSpPr>
@@ -14033,7 +14371,7 @@
       </p:sp>
       <p:sp>
         <p:nvSpPr>
-          <p:cNvPr id="69" name="Google Shape;69;p8"/>
+          <p:cNvPr id="69" name="Google Shape;69;p2"/>
           <p:cNvSpPr/>
           <p:nvPr/>
         </p:nvSpPr>
@@ -14112,7 +14450,7 @@
       </p:sp>
       <p:sp>
         <p:nvSpPr>
-          <p:cNvPr id="70" name="Google Shape;70;p8"/>
+          <p:cNvPr id="70" name="Google Shape;70;p2"/>
           <p:cNvSpPr/>
           <p:nvPr/>
         </p:nvSpPr>
@@ -14191,7 +14529,7 @@
       </p:sp>
       <p:sp>
         <p:nvSpPr>
-          <p:cNvPr id="71" name="Google Shape;71;p8"/>
+          <p:cNvPr id="71" name="Google Shape;71;p2"/>
           <p:cNvSpPr/>
           <p:nvPr/>
         </p:nvSpPr>
@@ -14293,7 +14631,7 @@
       </p:sp>
       <p:pic>
         <p:nvPicPr>
-          <p:cNvPr descr="Database" id="72" name="Google Shape;72;p8"/>
+          <p:cNvPr descr="Database" id="72" name="Google Shape;72;p2"/>
           <p:cNvPicPr preferRelativeResize="0"/>
           <p:nvPr/>
         </p:nvPicPr>
@@ -14320,7 +14658,7 @@
       </p:pic>
       <p:pic>
         <p:nvPicPr>
-          <p:cNvPr descr="Clock" id="73" name="Google Shape;73;p8"/>
+          <p:cNvPr descr="Clock" id="73" name="Google Shape;73;p2"/>
           <p:cNvPicPr preferRelativeResize="0"/>
           <p:nvPr/>
         </p:nvPicPr>
@@ -14347,7 +14685,7 @@
       </p:pic>
       <p:pic>
         <p:nvPicPr>
-          <p:cNvPr descr="Table" id="74" name="Google Shape;74;p8"/>
+          <p:cNvPr descr="Table" id="74" name="Google Shape;74;p2"/>
           <p:cNvPicPr preferRelativeResize="0"/>
           <p:nvPr/>
         </p:nvPicPr>
@@ -14374,7 +14712,7 @@
       </p:pic>
       <p:pic>
         <p:nvPicPr>
-          <p:cNvPr descr="Danger" id="75" name="Google Shape;75;p8"/>
+          <p:cNvPr descr="Danger" id="75" name="Google Shape;75;p2"/>
           <p:cNvPicPr preferRelativeResize="0"/>
           <p:nvPr/>
         </p:nvPicPr>
@@ -14401,7 +14739,7 @@
       </p:pic>
       <p:pic>
         <p:nvPicPr>
-          <p:cNvPr descr="Cycle with people" id="76" name="Google Shape;76;p8"/>
+          <p:cNvPr descr="Cycle with people" id="76" name="Google Shape;76;p2"/>
           <p:cNvPicPr preferRelativeResize="0"/>
           <p:nvPr/>
         </p:nvPicPr>
@@ -14453,7 +14791,7 @@
       </p:grpSpPr>
       <p:sp>
         <p:nvSpPr>
-          <p:cNvPr id="81" name="Google Shape;81;p9"/>
+          <p:cNvPr id="81" name="Google Shape;81;p3"/>
           <p:cNvSpPr/>
           <p:nvPr/>
         </p:nvSpPr>
@@ -14532,7 +14870,7 @@
       </p:sp>
       <p:sp>
         <p:nvSpPr>
-          <p:cNvPr id="82" name="Google Shape;82;p9"/>
+          <p:cNvPr id="82" name="Google Shape;82;p3"/>
           <p:cNvSpPr txBox="1"/>
           <p:nvPr>
             <p:ph type="title"/>
@@ -14580,7 +14918,7 @@
       </p:sp>
       <p:sp>
         <p:nvSpPr>
-          <p:cNvPr id="83" name="Google Shape;83;p9"/>
+          <p:cNvPr id="83" name="Google Shape;83;p3"/>
           <p:cNvSpPr/>
           <p:nvPr/>
         </p:nvSpPr>
@@ -14659,14 +14997,14 @@
       </p:sp>
       <p:sp>
         <p:nvSpPr>
-          <p:cNvPr id="84" name="Google Shape;84;p9"/>
+          <p:cNvPr id="84" name="Google Shape;84;p3"/>
           <p:cNvSpPr txBox="1"/>
           <p:nvPr/>
         </p:nvSpPr>
         <p:spPr>
           <a:xfrm>
-            <a:off x="859050" y="2994201"/>
-            <a:ext cx="12456900" cy="5773055"/>
+            <a:off x="859050" y="2994200"/>
+            <a:ext cx="10196100" cy="6780900"/>
           </a:xfrm>
           <a:prstGeom prst="rect">
             <a:avLst/>
@@ -14949,7 +15287,47 @@
                 <a:cs typeface="Tahoma"/>
                 <a:sym typeface="Tahoma"/>
               </a:rPr>
-              <a:t>7. Property damage column had missing values and present values had an inconsistent scale(&lt;1mn &amp; 1mn-1bn)</a:t>
+              <a:t>7. Property damage column had missing values and present values </a:t>
+            </a:r>
+            <a:endParaRPr b="0" i="0" sz="2800" u="none" cap="none" strike="noStrike">
+              <a:solidFill>
+                <a:srgbClr val="111B1D"/>
+              </a:solidFill>
+              <a:latin typeface="Tahoma"/>
+              <a:ea typeface="Tahoma"/>
+              <a:cs typeface="Tahoma"/>
+              <a:sym typeface="Tahoma"/>
+            </a:endParaRPr>
+          </a:p>
+          <a:p>
+            <a:pPr indent="0" lvl="0" marL="12700" marR="5080" rtl="0" algn="l">
+              <a:lnSpc>
+                <a:spcPct val="150000"/>
+              </a:lnSpc>
+              <a:spcBef>
+                <a:spcPts val="100"/>
+              </a:spcBef>
+              <a:spcAft>
+                <a:spcPts val="0"/>
+              </a:spcAft>
+              <a:buClr>
+                <a:srgbClr val="000000"/>
+              </a:buClr>
+              <a:buSzPts val="2800"/>
+              <a:buFont typeface="Arial"/>
+              <a:buNone/>
+            </a:pPr>
+            <a:r>
+              <a:rPr b="0" i="0" lang="en-US" sz="2800" u="none" cap="none" strike="noStrike">
+                <a:solidFill>
+                  <a:srgbClr val="111B1D"/>
+                </a:solidFill>
+                <a:latin typeface="Tahoma"/>
+                <a:ea typeface="Tahoma"/>
+                <a:cs typeface="Tahoma"/>
+                <a:sym typeface="Tahoma"/>
+              </a:rPr>
+              <a:t>had an inconsistent scale(&lt;1mn &amp; 1mn-1bn)</a:t>
             </a:r>
             <a:endParaRPr b="0" i="0" sz="1400" u="none" cap="none" strike="noStrike">
               <a:solidFill>
@@ -14996,7 +15374,7 @@
       </p:sp>
       <p:sp>
         <p:nvSpPr>
-          <p:cNvPr id="85" name="Google Shape;85;p9"/>
+          <p:cNvPr id="85" name="Google Shape;85;p3"/>
           <p:cNvSpPr/>
           <p:nvPr/>
         </p:nvSpPr>
@@ -15073,6 +15451,34 @@
           </a:p>
         </p:txBody>
       </p:sp>
+      <p:pic>
+        <p:nvPicPr>
+          <p:cNvPr id="86" name="Google Shape;86;p3"/>
+          <p:cNvPicPr preferRelativeResize="0"/>
+          <p:nvPr/>
+        </p:nvPicPr>
+        <p:blipFill>
+          <a:blip r:embed="rId3">
+            <a:alphaModFix/>
+          </a:blip>
+          <a:stretch>
+            <a:fillRect/>
+          </a:stretch>
+        </p:blipFill>
+        <p:spPr>
+          <a:xfrm>
+            <a:off x="10589550" y="1966650"/>
+            <a:ext cx="7698450" cy="6342074"/>
+          </a:xfrm>
+          <a:prstGeom prst="rect">
+            <a:avLst/>
+          </a:prstGeom>
+          <a:noFill/>
+          <a:ln>
+            <a:noFill/>
+          </a:ln>
+        </p:spPr>
+      </p:pic>
     </p:spTree>
   </p:cSld>
   <p:clrMapOvr>
@@ -15086,7 +15492,7 @@
   <p:cSld>
     <p:spTree>
       <p:nvGrpSpPr>
-        <p:cNvPr id="89" name="Shape 89"/>
+        <p:cNvPr id="90" name="Shape 90"/>
         <p:cNvGrpSpPr/>
         <p:nvPr/>
       </p:nvGrpSpPr>
@@ -15100,7 +15506,7 @@
       </p:grpSpPr>
       <p:pic>
         <p:nvPicPr>
-          <p:cNvPr descr="A screenshot of a cell phone&#10;&#10;Description automatically generated" id="90" name="Google Shape;90;p10"/>
+          <p:cNvPr descr="A screenshot of a cell phone&#10;&#10;Description automatically generated" id="91" name="Google Shape;91;p4"/>
           <p:cNvPicPr preferRelativeResize="0"/>
           <p:nvPr/>
         </p:nvPicPr>
@@ -15127,7 +15533,7 @@
       </p:pic>
       <p:sp>
         <p:nvSpPr>
-          <p:cNvPr id="91" name="Google Shape;91;p10"/>
+          <p:cNvPr id="92" name="Google Shape;92;p4"/>
           <p:cNvSpPr txBox="1"/>
           <p:nvPr>
             <p:ph type="title"/>
@@ -15190,7 +15596,7 @@
   <p:cSld>
     <p:spTree>
       <p:nvGrpSpPr>
-        <p:cNvPr id="95" name="Shape 95"/>
+        <p:cNvPr id="96" name="Shape 96"/>
         <p:cNvGrpSpPr/>
         <p:nvPr/>
       </p:nvGrpSpPr>
@@ -15204,7 +15610,7 @@
       </p:grpSpPr>
       <p:sp>
         <p:nvSpPr>
-          <p:cNvPr id="96" name="Google Shape;96;p11"/>
+          <p:cNvPr id="97" name="Google Shape;97;p5"/>
           <p:cNvSpPr txBox="1"/>
           <p:nvPr>
             <p:ph type="title"/>
@@ -15270,7 +15676,7 @@
                   <a:schemeClr val="lt1"/>
                 </a:solidFill>
               </a:rPr>
-              <a:t>To reduce the size of the dataset, we created a subset of records from 2001 to 2017 and 28 columns.</a:t>
+              <a:t>To reduce the size of the dataset, we created a subset of records from 2001 to 2017 and 32 columns.</a:t>
             </a:r>
             <a:br>
               <a:rPr b="0" lang="en-US">
@@ -15329,7 +15735,7 @@
       </p:sp>
       <p:sp>
         <p:nvSpPr>
-          <p:cNvPr id="97" name="Google Shape;97;p11"/>
+          <p:cNvPr id="98" name="Google Shape;98;p5"/>
           <p:cNvSpPr/>
           <p:nvPr/>
         </p:nvSpPr>
@@ -15408,7 +15814,7 @@
       </p:sp>
       <p:sp>
         <p:nvSpPr>
-          <p:cNvPr id="98" name="Google Shape;98;p11"/>
+          <p:cNvPr id="99" name="Google Shape;99;p5"/>
           <p:cNvSpPr/>
           <p:nvPr/>
         </p:nvSpPr>
@@ -15487,7 +15893,7 @@
       </p:sp>
       <p:sp>
         <p:nvSpPr>
-          <p:cNvPr id="99" name="Google Shape;99;p11"/>
+          <p:cNvPr id="100" name="Google Shape;100;p5"/>
           <p:cNvSpPr txBox="1"/>
           <p:nvPr/>
         </p:nvSpPr>
@@ -15553,7 +15959,7 @@
       </p:sp>
       <p:pic>
         <p:nvPicPr>
-          <p:cNvPr descr="Filter" id="100" name="Google Shape;100;p11"/>
+          <p:cNvPr descr="Filter" id="101" name="Google Shape;101;p5"/>
           <p:cNvPicPr preferRelativeResize="0"/>
           <p:nvPr/>
         </p:nvPicPr>
@@ -15580,7 +15986,7 @@
       </p:pic>
       <p:pic>
         <p:nvPicPr>
-          <p:cNvPr descr="Database" id="101" name="Google Shape;101;p11"/>
+          <p:cNvPr descr="Database" id="102" name="Google Shape;102;p5"/>
           <p:cNvPicPr preferRelativeResize="0"/>
           <p:nvPr/>
         </p:nvPicPr>
@@ -15607,7 +16013,7 @@
       </p:pic>
       <p:pic>
         <p:nvPicPr>
-          <p:cNvPr descr="Statistics" id="102" name="Google Shape;102;p11"/>
+          <p:cNvPr descr="Statistics" id="103" name="Google Shape;103;p5"/>
           <p:cNvPicPr preferRelativeResize="0"/>
           <p:nvPr/>
         </p:nvPicPr>
@@ -15634,7 +16040,7 @@
       </p:pic>
       <p:pic>
         <p:nvPicPr>
-          <p:cNvPr descr="Scissors" id="103" name="Google Shape;103;p11"/>
+          <p:cNvPr descr="Scissors" id="104" name="Google Shape;104;p5"/>
           <p:cNvPicPr preferRelativeResize="0"/>
           <p:nvPr/>
         </p:nvPicPr>
@@ -15672,7 +16078,7 @@
   <p:cSld>
     <p:spTree>
       <p:nvGrpSpPr>
-        <p:cNvPr id="108" name="Shape 108"/>
+        <p:cNvPr id="109" name="Shape 109"/>
         <p:cNvGrpSpPr/>
         <p:nvPr/>
       </p:nvGrpSpPr>
@@ -15686,7 +16092,7 @@
       </p:grpSpPr>
       <p:sp>
         <p:nvSpPr>
-          <p:cNvPr id="109" name="Google Shape;109;p12"/>
+          <p:cNvPr id="110" name="Google Shape;110;p6"/>
           <p:cNvSpPr txBox="1"/>
           <p:nvPr/>
         </p:nvSpPr>
@@ -15752,7 +16158,7 @@
       </p:sp>
       <p:sp>
         <p:nvSpPr>
-          <p:cNvPr id="110" name="Google Shape;110;p12"/>
+          <p:cNvPr id="111" name="Google Shape;111;p6"/>
           <p:cNvSpPr txBox="1"/>
           <p:nvPr/>
         </p:nvSpPr>
@@ -15849,7 +16255,7 @@
       </p:sp>
       <p:pic>
         <p:nvPicPr>
-          <p:cNvPr id="111" name="Google Shape;111;p12"/>
+          <p:cNvPr id="112" name="Google Shape;112;p6"/>
           <p:cNvPicPr preferRelativeResize="0"/>
           <p:nvPr/>
         </p:nvPicPr>
@@ -15876,7 +16282,7 @@
       </p:pic>
       <p:sp>
         <p:nvSpPr>
-          <p:cNvPr id="112" name="Google Shape;112;p12"/>
+          <p:cNvPr id="113" name="Google Shape;113;p6"/>
           <p:cNvSpPr txBox="1"/>
           <p:nvPr/>
         </p:nvSpPr>
@@ -16188,7 +16594,7 @@
   <p:cSld>
     <p:spTree>
       <p:nvGrpSpPr>
-        <p:cNvPr id="117" name="Shape 117"/>
+        <p:cNvPr id="118" name="Shape 118"/>
         <p:cNvGrpSpPr/>
         <p:nvPr/>
       </p:nvGrpSpPr>
@@ -16202,7 +16608,7 @@
       </p:grpSpPr>
       <p:sp>
         <p:nvSpPr>
-          <p:cNvPr id="118" name="Google Shape;118;p13"/>
+          <p:cNvPr id="119" name="Google Shape;119;p7"/>
           <p:cNvSpPr txBox="1"/>
           <p:nvPr/>
         </p:nvSpPr>
@@ -16370,7 +16776,7 @@
       </p:sp>
       <p:pic>
         <p:nvPicPr>
-          <p:cNvPr id="119" name="Google Shape;119;p13"/>
+          <p:cNvPr id="120" name="Google Shape;120;p7"/>
           <p:cNvPicPr preferRelativeResize="0"/>
           <p:nvPr/>
         </p:nvPicPr>
@@ -16397,7 +16803,7 @@
       </p:pic>
       <p:sp>
         <p:nvSpPr>
-          <p:cNvPr id="120" name="Google Shape;120;p13"/>
+          <p:cNvPr id="121" name="Google Shape;121;p7"/>
           <p:cNvSpPr txBox="1"/>
           <p:nvPr/>
         </p:nvSpPr>
@@ -16454,7 +16860,7 @@
       </p:sp>
       <p:sp>
         <p:nvSpPr>
-          <p:cNvPr id="121" name="Google Shape;121;p13"/>
+          <p:cNvPr id="122" name="Google Shape;122;p7"/>
           <p:cNvSpPr txBox="1"/>
           <p:nvPr/>
         </p:nvSpPr>
@@ -16531,7 +16937,7 @@
   <p:cSld>
     <p:spTree>
       <p:nvGrpSpPr>
-        <p:cNvPr id="125" name="Shape 125"/>
+        <p:cNvPr id="126" name="Shape 126"/>
         <p:cNvGrpSpPr/>
         <p:nvPr/>
       </p:nvGrpSpPr>
@@ -16545,7 +16951,7 @@
       </p:grpSpPr>
       <p:pic>
         <p:nvPicPr>
-          <p:cNvPr id="126" name="Google Shape;126;p14"/>
+          <p:cNvPr id="127" name="Google Shape;127;p8"/>
           <p:cNvPicPr preferRelativeResize="0"/>
           <p:nvPr/>
         </p:nvPicPr>
@@ -16572,7 +16978,7 @@
       </p:pic>
       <p:pic>
         <p:nvPicPr>
-          <p:cNvPr id="127" name="Google Shape;127;p14"/>
+          <p:cNvPr id="128" name="Google Shape;128;p8"/>
           <p:cNvPicPr preferRelativeResize="0"/>
           <p:nvPr/>
         </p:nvPicPr>
@@ -16599,7 +17005,7 @@
       </p:pic>
       <p:sp>
         <p:nvSpPr>
-          <p:cNvPr id="128" name="Google Shape;128;p14"/>
+          <p:cNvPr id="129" name="Google Shape;129;p8"/>
           <p:cNvSpPr txBox="1"/>
           <p:nvPr/>
         </p:nvSpPr>
@@ -16696,7 +17102,7 @@
       </p:sp>
       <p:sp>
         <p:nvSpPr>
-          <p:cNvPr id="129" name="Google Shape;129;p14"/>
+          <p:cNvPr id="130" name="Google Shape;130;p8"/>
           <p:cNvSpPr txBox="1"/>
           <p:nvPr/>
         </p:nvSpPr>
@@ -16875,7 +17281,7 @@
   <p:cSld>
     <p:spTree>
       <p:nvGrpSpPr>
-        <p:cNvPr id="133" name="Shape 133"/>
+        <p:cNvPr id="134" name="Shape 134"/>
         <p:cNvGrpSpPr/>
         <p:nvPr/>
       </p:nvGrpSpPr>
@@ -16889,7 +17295,7 @@
       </p:grpSpPr>
       <p:sp>
         <p:nvSpPr>
-          <p:cNvPr id="134" name="Google Shape;134;p15"/>
+          <p:cNvPr id="135" name="Google Shape;135;p9"/>
           <p:cNvSpPr txBox="1"/>
           <p:nvPr/>
         </p:nvSpPr>
@@ -16986,7 +17392,7 @@
       </p:sp>
       <p:pic>
         <p:nvPicPr>
-          <p:cNvPr id="135" name="Google Shape;135;p15"/>
+          <p:cNvPr id="136" name="Google Shape;136;p9"/>
           <p:cNvPicPr preferRelativeResize="0"/>
           <p:nvPr/>
         </p:nvPicPr>
@@ -16994,7 +17400,7 @@
           <a:blip r:embed="rId3">
             <a:alphaModFix/>
           </a:blip>
-          <a:srcRect b="7290" l="0" r="0" t="0"/>
+          <a:srcRect b="7289" l="0" r="0" t="0"/>
           <a:stretch/>
         </p:blipFill>
         <p:spPr>
@@ -17013,7 +17419,7 @@
       </p:pic>
       <p:sp>
         <p:nvSpPr>
-          <p:cNvPr id="136" name="Google Shape;136;p15"/>
+          <p:cNvPr id="137" name="Google Shape;137;p9"/>
           <p:cNvSpPr txBox="1"/>
           <p:nvPr/>
         </p:nvSpPr>
@@ -17110,7 +17516,7 @@
       </p:sp>
       <p:pic>
         <p:nvPicPr>
-          <p:cNvPr id="137" name="Google Shape;137;p15"/>
+          <p:cNvPr id="138" name="Google Shape;138;p9"/>
           <p:cNvPicPr preferRelativeResize="0"/>
           <p:nvPr/>
         </p:nvPicPr>
@@ -17144,6 +17550,285 @@
 </file>
 
 <file path=ppt/theme/theme1.xml><?xml version="1.0" encoding="utf-8"?>
+<a:theme xmlns:a="http://schemas.openxmlformats.org/drawingml/2006/main" xmlns:r="http://schemas.openxmlformats.org/officeDocument/2006/relationships" name="Office Theme">
+  <a:themeElements>
+    <a:clrScheme name="Office">
+      <a:dk1>
+        <a:srgbClr val="000000"/>
+      </a:dk1>
+      <a:lt1>
+        <a:srgbClr val="FFFFFF"/>
+      </a:lt1>
+      <a:dk2>
+        <a:srgbClr val="44546A"/>
+      </a:dk2>
+      <a:lt2>
+        <a:srgbClr val="E7E6E6"/>
+      </a:lt2>
+      <a:accent1>
+        <a:srgbClr val="4472C4"/>
+      </a:accent1>
+      <a:accent2>
+        <a:srgbClr val="ED7D31"/>
+      </a:accent2>
+      <a:accent3>
+        <a:srgbClr val="A5A5A5"/>
+      </a:accent3>
+      <a:accent4>
+        <a:srgbClr val="FFC000"/>
+      </a:accent4>
+      <a:accent5>
+        <a:srgbClr val="5B9BD5"/>
+      </a:accent5>
+      <a:accent6>
+        <a:srgbClr val="70AD47"/>
+      </a:accent6>
+      <a:hlink>
+        <a:srgbClr val="0563C1"/>
+      </a:hlink>
+      <a:folHlink>
+        <a:srgbClr val="954F72"/>
+      </a:folHlink>
+    </a:clrScheme>
+    <a:fontScheme name="Office">
+      <a:majorFont>
+        <a:latin typeface="Arial"/>
+        <a:ea typeface=""/>
+        <a:cs typeface=""/>
+        <a:font script="Jpan" typeface="ＭＳ Ｐゴシック"/>
+        <a:font script="Hang" typeface="맑은 고딕"/>
+        <a:font script="Hans" typeface="宋体"/>
+        <a:font script="Hant" typeface="新細明體"/>
+        <a:font script="Arab" typeface="Times New Roman"/>
+        <a:font script="Hebr" typeface="Times New Roman"/>
+        <a:font script="Thai" typeface="Angsana New"/>
+        <a:font script="Ethi" typeface="Nyala"/>
+        <a:font script="Beng" typeface="Vrinda"/>
+        <a:font script="Gujr" typeface="Shruti"/>
+        <a:font script="Khmr" typeface="MoolBoran"/>
+        <a:font script="Knda" typeface="Tunga"/>
+        <a:font script="Guru" typeface="Raavi"/>
+        <a:font script="Cans" typeface="Euphemia"/>
+        <a:font script="Cher" typeface="Plantagenet Cherokee"/>
+        <a:font script="Yiii" typeface="Microsoft Yi Baiti"/>
+        <a:font script="Tibt" typeface="Microsoft Himalaya"/>
+        <a:font script="Thaa" typeface="MV Boli"/>
+        <a:font script="Deva" typeface="Mangal"/>
+        <a:font script="Telu" typeface="Gautami"/>
+        <a:font script="Taml" typeface="Latha"/>
+        <a:font script="Syrc" typeface="Estrangelo Edessa"/>
+        <a:font script="Orya" typeface="Kalinga"/>
+        <a:font script="Mlym" typeface="Kartika"/>
+        <a:font script="Laoo" typeface="DokChampa"/>
+        <a:font script="Sinh" typeface="Iskoola Pota"/>
+        <a:font script="Mong" typeface="Mongolian Baiti"/>
+        <a:font script="Viet" typeface="Times New Roman"/>
+        <a:font script="Uigh" typeface="Microsoft Uighur"/>
+        <a:font script="Geor" typeface="Sylfaen"/>
+      </a:majorFont>
+      <a:minorFont>
+        <a:latin typeface="Arial"/>
+        <a:ea typeface=""/>
+        <a:cs typeface=""/>
+        <a:font script="Jpan" typeface="ＭＳ Ｐゴシック"/>
+        <a:font script="Hang" typeface="맑은 고딕"/>
+        <a:font script="Hans" typeface="宋体"/>
+        <a:font script="Hant" typeface="新細明體"/>
+        <a:font script="Arab" typeface="Arial"/>
+        <a:font script="Hebr" typeface="Arial"/>
+        <a:font script="Thai" typeface="Cordia New"/>
+        <a:font script="Ethi" typeface="Nyala"/>
+        <a:font script="Beng" typeface="Vrinda"/>
+        <a:font script="Gujr" typeface="Shruti"/>
+        <a:font script="Khmr" typeface="DaunPenh"/>
+        <a:font script="Knda" typeface="Tunga"/>
+        <a:font script="Guru" typeface="Raavi"/>
+        <a:font script="Cans" typeface="Euphemia"/>
+        <a:font script="Cher" typeface="Plantagenet Cherokee"/>
+        <a:font script="Yiii" typeface="Microsoft Yi Baiti"/>
+        <a:font script="Tibt" typeface="Microsoft Himalaya"/>
+        <a:font script="Thaa" typeface="MV Boli"/>
+        <a:font script="Deva" typeface="Mangal"/>
+        <a:font script="Telu" typeface="Gautami"/>
+        <a:font script="Taml" typeface="Latha"/>
+        <a:font script="Syrc" typeface="Estrangelo Edessa"/>
+        <a:font script="Orya" typeface="Kalinga"/>
+        <a:font script="Mlym" typeface="Kartika"/>
+        <a:font script="Laoo" typeface="DokChampa"/>
+        <a:font script="Sinh" typeface="Iskoola Pota"/>
+        <a:font script="Mong" typeface="Mongolian Baiti"/>
+        <a:font script="Viet" typeface="Arial"/>
+        <a:font script="Uigh" typeface="Microsoft Uighur"/>
+        <a:font script="Geor" typeface="Sylfaen"/>
+      </a:minorFont>
+    </a:fontScheme>
+    <a:fmtScheme name="Office">
+      <a:fillStyleLst>
+        <a:solidFill>
+          <a:schemeClr val="phClr"/>
+        </a:solidFill>
+        <a:gradFill rotWithShape="1">
+          <a:gsLst>
+            <a:gs pos="0">
+              <a:schemeClr val="phClr">
+                <a:tint val="50000"/>
+                <a:satMod val="300000"/>
+              </a:schemeClr>
+            </a:gs>
+            <a:gs pos="35000">
+              <a:schemeClr val="phClr">
+                <a:tint val="37000"/>
+                <a:satMod val="300000"/>
+              </a:schemeClr>
+            </a:gs>
+            <a:gs pos="100000">
+              <a:schemeClr val="phClr">
+                <a:tint val="15000"/>
+                <a:satMod val="350000"/>
+              </a:schemeClr>
+            </a:gs>
+          </a:gsLst>
+          <a:lin ang="16200000" scaled="1"/>
+        </a:gradFill>
+        <a:gradFill rotWithShape="1">
+          <a:gsLst>
+            <a:gs pos="0">
+              <a:schemeClr val="phClr">
+                <a:tint val="100000"/>
+                <a:shade val="100000"/>
+                <a:satMod val="130000"/>
+              </a:schemeClr>
+            </a:gs>
+            <a:gs pos="100000">
+              <a:schemeClr val="phClr">
+                <a:tint val="50000"/>
+                <a:shade val="100000"/>
+                <a:satMod val="350000"/>
+              </a:schemeClr>
+            </a:gs>
+          </a:gsLst>
+          <a:lin ang="16200000" scaled="0"/>
+        </a:gradFill>
+      </a:fillStyleLst>
+      <a:lnStyleLst>
+        <a:ln w="9525" cap="flat" cmpd="sng" algn="ctr">
+          <a:solidFill>
+            <a:schemeClr val="phClr">
+              <a:shade val="95000"/>
+              <a:satMod val="105000"/>
+            </a:schemeClr>
+          </a:solidFill>
+          <a:prstDash val="solid"/>
+        </a:ln>
+        <a:ln w="25400" cap="flat" cmpd="sng" algn="ctr">
+          <a:solidFill>
+            <a:schemeClr val="phClr"/>
+          </a:solidFill>
+          <a:prstDash val="solid"/>
+        </a:ln>
+        <a:ln w="38100" cap="flat" cmpd="sng" algn="ctr">
+          <a:solidFill>
+            <a:schemeClr val="phClr"/>
+          </a:solidFill>
+          <a:prstDash val="solid"/>
+        </a:ln>
+      </a:lnStyleLst>
+      <a:effectStyleLst>
+        <a:effectStyle>
+          <a:effectLst>
+            <a:outerShdw blurRad="40000" dist="20000" dir="5400000" rotWithShape="0">
+              <a:srgbClr val="000000">
+                <a:alpha val="38000"/>
+              </a:srgbClr>
+            </a:outerShdw>
+          </a:effectLst>
+        </a:effectStyle>
+        <a:effectStyle>
+          <a:effectLst>
+            <a:outerShdw blurRad="40000" dist="23000" dir="5400000" rotWithShape="0">
+              <a:srgbClr val="000000">
+                <a:alpha val="35000"/>
+              </a:srgbClr>
+            </a:outerShdw>
+          </a:effectLst>
+        </a:effectStyle>
+        <a:effectStyle>
+          <a:effectLst>
+            <a:outerShdw blurRad="40000" dist="23000" dir="5400000" rotWithShape="0">
+              <a:srgbClr val="000000">
+                <a:alpha val="35000"/>
+              </a:srgbClr>
+            </a:outerShdw>
+          </a:effectLst>
+          <a:scene3d>
+            <a:camera prst="orthographicFront">
+              <a:rot lat="0" lon="0" rev="0"/>
+            </a:camera>
+            <a:lightRig rig="threePt" dir="t">
+              <a:rot lat="0" lon="0" rev="1200000"/>
+            </a:lightRig>
+          </a:scene3d>
+          <a:sp3d>
+            <a:bevelT w="63500" h="25400"/>
+          </a:sp3d>
+        </a:effectStyle>
+      </a:effectStyleLst>
+      <a:bgFillStyleLst>
+        <a:solidFill>
+          <a:schemeClr val="phClr"/>
+        </a:solidFill>
+        <a:gradFill rotWithShape="1">
+          <a:gsLst>
+            <a:gs pos="0">
+              <a:schemeClr val="phClr">
+                <a:tint val="40000"/>
+                <a:satMod val="350000"/>
+              </a:schemeClr>
+            </a:gs>
+            <a:gs pos="40000">
+              <a:schemeClr val="phClr">
+                <a:tint val="45000"/>
+                <a:shade val="99000"/>
+                <a:satMod val="350000"/>
+              </a:schemeClr>
+            </a:gs>
+            <a:gs pos="100000">
+              <a:schemeClr val="phClr">
+                <a:shade val="20000"/>
+                <a:satMod val="255000"/>
+              </a:schemeClr>
+            </a:gs>
+          </a:gsLst>
+          <a:path path="circle">
+            <a:fillToRect l="50000" t="-80000" r="50000" b="180000"/>
+          </a:path>
+        </a:gradFill>
+        <a:gradFill rotWithShape="1">
+          <a:gsLst>
+            <a:gs pos="0">
+              <a:schemeClr val="phClr">
+                <a:tint val="80000"/>
+                <a:satMod val="300000"/>
+              </a:schemeClr>
+            </a:gs>
+            <a:gs pos="100000">
+              <a:schemeClr val="phClr">
+                <a:shade val="30000"/>
+                <a:satMod val="200000"/>
+              </a:schemeClr>
+            </a:gs>
+          </a:gsLst>
+          <a:path path="circle">
+            <a:fillToRect l="50000" t="50000" r="50000" b="50000"/>
+          </a:path>
+        </a:gradFill>
+      </a:bgFillStyleLst>
+    </a:fmtScheme>
+  </a:themeElements>
+</a:theme>
+</file>
+
+<file path=ppt/theme/theme2.xml><?xml version="1.0" encoding="utf-8"?>
 <a:theme xmlns:a="http://schemas.openxmlformats.org/drawingml/2006/main" xmlns:r="http://schemas.openxmlformats.org/officeDocument/2006/relationships" name="Office Theme">
   <a:themeElements>
     <a:clrScheme name="Office">
@@ -17420,283 +18105,4 @@
     </a:fmtScheme>
   </a:themeElements>
 </a:theme>
-</file>
-
-<file path=ppt/theme/theme2.xml><?xml version="1.0" encoding="utf-8"?>
-<a:theme xmlns:a="http://schemas.openxmlformats.org/drawingml/2006/main" xmlns:r="http://schemas.openxmlformats.org/officeDocument/2006/relationships" name="Office Theme">
-  <a:themeElements>
-    <a:clrScheme name="Office">
-      <a:dk1>
-        <a:srgbClr val="000000"/>
-      </a:dk1>
-      <a:lt1>
-        <a:srgbClr val="FFFFFF"/>
-      </a:lt1>
-      <a:dk2>
-        <a:srgbClr val="44546A"/>
-      </a:dk2>
-      <a:lt2>
-        <a:srgbClr val="E7E6E6"/>
-      </a:lt2>
-      <a:accent1>
-        <a:srgbClr val="4472C4"/>
-      </a:accent1>
-      <a:accent2>
-        <a:srgbClr val="ED7D31"/>
-      </a:accent2>
-      <a:accent3>
-        <a:srgbClr val="A5A5A5"/>
-      </a:accent3>
-      <a:accent4>
-        <a:srgbClr val="FFC000"/>
-      </a:accent4>
-      <a:accent5>
-        <a:srgbClr val="5B9BD5"/>
-      </a:accent5>
-      <a:accent6>
-        <a:srgbClr val="70AD47"/>
-      </a:accent6>
-      <a:hlink>
-        <a:srgbClr val="0563C1"/>
-      </a:hlink>
-      <a:folHlink>
-        <a:srgbClr val="954F72"/>
-      </a:folHlink>
-    </a:clrScheme>
-    <a:fontScheme name="Office">
-      <a:majorFont>
-        <a:latin typeface="Arial"/>
-        <a:ea typeface=""/>
-        <a:cs typeface=""/>
-        <a:font script="Jpan" typeface="ＭＳ Ｐゴシック"/>
-        <a:font script="Hang" typeface="맑은 고딕"/>
-        <a:font script="Hans" typeface="宋体"/>
-        <a:font script="Hant" typeface="新細明體"/>
-        <a:font script="Arab" typeface="Times New Roman"/>
-        <a:font script="Hebr" typeface="Times New Roman"/>
-        <a:font script="Thai" typeface="Angsana New"/>
-        <a:font script="Ethi" typeface="Nyala"/>
-        <a:font script="Beng" typeface="Vrinda"/>
-        <a:font script="Gujr" typeface="Shruti"/>
-        <a:font script="Khmr" typeface="MoolBoran"/>
-        <a:font script="Knda" typeface="Tunga"/>
-        <a:font script="Guru" typeface="Raavi"/>
-        <a:font script="Cans" typeface="Euphemia"/>
-        <a:font script="Cher" typeface="Plantagenet Cherokee"/>
-        <a:font script="Yiii" typeface="Microsoft Yi Baiti"/>
-        <a:font script="Tibt" typeface="Microsoft Himalaya"/>
-        <a:font script="Thaa" typeface="MV Boli"/>
-        <a:font script="Deva" typeface="Mangal"/>
-        <a:font script="Telu" typeface="Gautami"/>
-        <a:font script="Taml" typeface="Latha"/>
-        <a:font script="Syrc" typeface="Estrangelo Edessa"/>
-        <a:font script="Orya" typeface="Kalinga"/>
-        <a:font script="Mlym" typeface="Kartika"/>
-        <a:font script="Laoo" typeface="DokChampa"/>
-        <a:font script="Sinh" typeface="Iskoola Pota"/>
-        <a:font script="Mong" typeface="Mongolian Baiti"/>
-        <a:font script="Viet" typeface="Times New Roman"/>
-        <a:font script="Uigh" typeface="Microsoft Uighur"/>
-        <a:font script="Geor" typeface="Sylfaen"/>
-      </a:majorFont>
-      <a:minorFont>
-        <a:latin typeface="Arial"/>
-        <a:ea typeface=""/>
-        <a:cs typeface=""/>
-        <a:font script="Jpan" typeface="ＭＳ Ｐゴシック"/>
-        <a:font script="Hang" typeface="맑은 고딕"/>
-        <a:font script="Hans" typeface="宋体"/>
-        <a:font script="Hant" typeface="新細明體"/>
-        <a:font script="Arab" typeface="Arial"/>
-        <a:font script="Hebr" typeface="Arial"/>
-        <a:font script="Thai" typeface="Cordia New"/>
-        <a:font script="Ethi" typeface="Nyala"/>
-        <a:font script="Beng" typeface="Vrinda"/>
-        <a:font script="Gujr" typeface="Shruti"/>
-        <a:font script="Khmr" typeface="DaunPenh"/>
-        <a:font script="Knda" typeface="Tunga"/>
-        <a:font script="Guru" typeface="Raavi"/>
-        <a:font script="Cans" typeface="Euphemia"/>
-        <a:font script="Cher" typeface="Plantagenet Cherokee"/>
-        <a:font script="Yiii" typeface="Microsoft Yi Baiti"/>
-        <a:font script="Tibt" typeface="Microsoft Himalaya"/>
-        <a:font script="Thaa" typeface="MV Boli"/>
-        <a:font script="Deva" typeface="Mangal"/>
-        <a:font script="Telu" typeface="Gautami"/>
-        <a:font script="Taml" typeface="Latha"/>
-        <a:font script="Syrc" typeface="Estrangelo Edessa"/>
-        <a:font script="Orya" typeface="Kalinga"/>
-        <a:font script="Mlym" typeface="Kartika"/>
-        <a:font script="Laoo" typeface="DokChampa"/>
-        <a:font script="Sinh" typeface="Iskoola Pota"/>
-        <a:font script="Mong" typeface="Mongolian Baiti"/>
-        <a:font script="Viet" typeface="Arial"/>
-        <a:font script="Uigh" typeface="Microsoft Uighur"/>
-        <a:font script="Geor" typeface="Sylfaen"/>
-      </a:minorFont>
-    </a:fontScheme>
-    <a:fmtScheme name="Office">
-      <a:fillStyleLst>
-        <a:solidFill>
-          <a:schemeClr val="phClr"/>
-        </a:solidFill>
-        <a:gradFill rotWithShape="1">
-          <a:gsLst>
-            <a:gs pos="0">
-              <a:schemeClr val="phClr">
-                <a:tint val="50000"/>
-                <a:satMod val="300000"/>
-              </a:schemeClr>
-            </a:gs>
-            <a:gs pos="35000">
-              <a:schemeClr val="phClr">
-                <a:tint val="37000"/>
-                <a:satMod val="300000"/>
-              </a:schemeClr>
-            </a:gs>
-            <a:gs pos="100000">
-              <a:schemeClr val="phClr">
-                <a:tint val="15000"/>
-                <a:satMod val="350000"/>
-              </a:schemeClr>
-            </a:gs>
-          </a:gsLst>
-          <a:lin ang="16200000" scaled="1"/>
-        </a:gradFill>
-        <a:gradFill rotWithShape="1">
-          <a:gsLst>
-            <a:gs pos="0">
-              <a:schemeClr val="phClr">
-                <a:tint val="100000"/>
-                <a:shade val="100000"/>
-                <a:satMod val="130000"/>
-              </a:schemeClr>
-            </a:gs>
-            <a:gs pos="100000">
-              <a:schemeClr val="phClr">
-                <a:tint val="50000"/>
-                <a:shade val="100000"/>
-                <a:satMod val="350000"/>
-              </a:schemeClr>
-            </a:gs>
-          </a:gsLst>
-          <a:lin ang="16200000" scaled="0"/>
-        </a:gradFill>
-      </a:fillStyleLst>
-      <a:lnStyleLst>
-        <a:ln w="9525" cap="flat" cmpd="sng" algn="ctr">
-          <a:solidFill>
-            <a:schemeClr val="phClr">
-              <a:shade val="95000"/>
-              <a:satMod val="105000"/>
-            </a:schemeClr>
-          </a:solidFill>
-          <a:prstDash val="solid"/>
-        </a:ln>
-        <a:ln w="25400" cap="flat" cmpd="sng" algn="ctr">
-          <a:solidFill>
-            <a:schemeClr val="phClr"/>
-          </a:solidFill>
-          <a:prstDash val="solid"/>
-        </a:ln>
-        <a:ln w="38100" cap="flat" cmpd="sng" algn="ctr">
-          <a:solidFill>
-            <a:schemeClr val="phClr"/>
-          </a:solidFill>
-          <a:prstDash val="solid"/>
-        </a:ln>
-      </a:lnStyleLst>
-      <a:effectStyleLst>
-        <a:effectStyle>
-          <a:effectLst>
-            <a:outerShdw blurRad="40000" dist="20000" dir="5400000" rotWithShape="0">
-              <a:srgbClr val="000000">
-                <a:alpha val="38000"/>
-              </a:srgbClr>
-            </a:outerShdw>
-          </a:effectLst>
-        </a:effectStyle>
-        <a:effectStyle>
-          <a:effectLst>
-            <a:outerShdw blurRad="40000" dist="23000" dir="5400000" rotWithShape="0">
-              <a:srgbClr val="000000">
-                <a:alpha val="35000"/>
-              </a:srgbClr>
-            </a:outerShdw>
-          </a:effectLst>
-        </a:effectStyle>
-        <a:effectStyle>
-          <a:effectLst>
-            <a:outerShdw blurRad="40000" dist="23000" dir="5400000" rotWithShape="0">
-              <a:srgbClr val="000000">
-                <a:alpha val="35000"/>
-              </a:srgbClr>
-            </a:outerShdw>
-          </a:effectLst>
-          <a:scene3d>
-            <a:camera prst="orthographicFront">
-              <a:rot lat="0" lon="0" rev="0"/>
-            </a:camera>
-            <a:lightRig rig="threePt" dir="t">
-              <a:rot lat="0" lon="0" rev="1200000"/>
-            </a:lightRig>
-          </a:scene3d>
-          <a:sp3d>
-            <a:bevelT w="63500" h="25400"/>
-          </a:sp3d>
-        </a:effectStyle>
-      </a:effectStyleLst>
-      <a:bgFillStyleLst>
-        <a:solidFill>
-          <a:schemeClr val="phClr"/>
-        </a:solidFill>
-        <a:gradFill rotWithShape="1">
-          <a:gsLst>
-            <a:gs pos="0">
-              <a:schemeClr val="phClr">
-                <a:tint val="40000"/>
-                <a:satMod val="350000"/>
-              </a:schemeClr>
-            </a:gs>
-            <a:gs pos="40000">
-              <a:schemeClr val="phClr">
-                <a:tint val="45000"/>
-                <a:shade val="99000"/>
-                <a:satMod val="350000"/>
-              </a:schemeClr>
-            </a:gs>
-            <a:gs pos="100000">
-              <a:schemeClr val="phClr">
-                <a:shade val="20000"/>
-                <a:satMod val="255000"/>
-              </a:schemeClr>
-            </a:gs>
-          </a:gsLst>
-          <a:path path="circle">
-            <a:fillToRect l="50000" t="-80000" r="50000" b="180000"/>
-          </a:path>
-        </a:gradFill>
-        <a:gradFill rotWithShape="1">
-          <a:gsLst>
-            <a:gs pos="0">
-              <a:schemeClr val="phClr">
-                <a:tint val="80000"/>
-                <a:satMod val="300000"/>
-              </a:schemeClr>
-            </a:gs>
-            <a:gs pos="100000">
-              <a:schemeClr val="phClr">
-                <a:shade val="30000"/>
-                <a:satMod val="200000"/>
-              </a:schemeClr>
-            </a:gs>
-          </a:gsLst>
-          <a:path path="circle">
-            <a:fillToRect l="50000" t="50000" r="50000" b="50000"/>
-          </a:path>
-        </a:gradFill>
-      </a:bgFillStyleLst>
-    </a:fmtScheme>
-  </a:themeElements>
-</a:theme>
 </file>